--- a/PiAndMore/Part-0--Presentation/A lesson of physical Computing with Scratch.pptx
+++ b/PiAndMore/Part-0--Presentation/A lesson of physical Computing with Scratch.pptx
@@ -22,8 +22,8 @@
     <p:sldId id="263" r:id="rId13"/>
     <p:sldId id="264" r:id="rId14"/>
     <p:sldId id="273" r:id="rId15"/>
-    <p:sldId id="268" r:id="rId16"/>
-    <p:sldId id="271" r:id="rId17"/>
+    <p:sldId id="271" r:id="rId16"/>
+    <p:sldId id="268" r:id="rId17"/>
     <p:sldId id="269" r:id="rId18"/>
     <p:sldId id="272" r:id="rId19"/>
   </p:sldIdLst>
@@ -210,7 +210,7 @@
             <a:fld id="{49F19A31-70AD-41C4-8458-0089991E15F2}" type="datetimeFigureOut">
               <a:rPr lang="nl-NL" smtClean="0"/>
               <a:pPr/>
-              <a:t>7-1-2017</a:t>
+              <a:t>8-1-2017</a:t>
             </a:fld>
             <a:endParaRPr lang="nl-NL"/>
           </a:p>
@@ -3188,7 +3188,7 @@
         </p:blipFill>
         <p:spPr bwMode="auto">
           <a:xfrm>
-            <a:off x="6732240" y="3075806"/>
+            <a:off x="7452320" y="3651870"/>
             <a:ext cx="1034256" cy="533079"/>
           </a:xfrm>
           <a:prstGeom prst="rect">
@@ -3249,7 +3249,11 @@
             </a:r>
             <a:r>
               <a:rPr lang="en-US" dirty="0" smtClean="0"/>
-              <a:t> for GPIO rather than the GPIO of Raspberry Pi?</a:t>
+              <a:t>* </a:t>
+            </a:r>
+            <a:r>
+              <a:rPr lang="en-US" dirty="0" smtClean="0"/>
+              <a:t>for GPIO rather than the GPIO of Raspberry Pi?</a:t>
             </a:r>
             <a:endParaRPr lang="nl-NL" dirty="0"/>
           </a:p>
@@ -3343,15 +3347,7 @@
             </a:r>
             <a:r>
               <a:rPr lang="en-US" sz="1800" dirty="0" smtClean="0"/>
-              <a:t> is less costly (&lt; 2.5 </a:t>
-            </a:r>
-            <a:r>
-              <a:rPr lang="en-US" sz="1800" dirty="0" smtClean="0"/>
-              <a:t>euro for a clone) </a:t>
-            </a:r>
-            <a:r>
-              <a:rPr lang="en-US" sz="1800" dirty="0" smtClean="0"/>
-              <a:t>than damaging a </a:t>
+              <a:t> is less costly (&lt; 2.5 euro for a clone) than damaging a </a:t>
             </a:r>
             <a:r>
               <a:rPr lang="en-US" sz="1800" dirty="0" err="1" smtClean="0"/>
@@ -3431,6 +3427,60 @@
               <a:t>10</a:t>
             </a:fld>
             <a:endParaRPr lang="nl-NL"/>
+          </a:p>
+        </p:txBody>
+      </p:sp>
+      <p:sp>
+        <p:nvSpPr>
+          <p:cNvPr id="5" name="Tekstvak 4"/>
+          <p:cNvSpPr txBox="1"/>
+          <p:nvPr/>
+        </p:nvSpPr>
+        <p:spPr>
+          <a:xfrm>
+            <a:off x="7847856" y="4011910"/>
+            <a:ext cx="1296144" cy="577081"/>
+          </a:xfrm>
+          <a:prstGeom prst="rect">
+            <a:avLst/>
+          </a:prstGeom>
+          <a:noFill/>
+        </p:spPr>
+        <p:txBody>
+          <a:bodyPr wrap="square" rtlCol="0">
+            <a:spAutoFit/>
+          </a:bodyPr>
+          <a:lstStyle/>
+          <a:p>
+            <a:r>
+              <a:rPr lang="en-US" sz="1050" dirty="0" smtClean="0"/>
+              <a:t>* </a:t>
+            </a:r>
+            <a:r>
+              <a:rPr lang="en-US" sz="1050" dirty="0" err="1" smtClean="0"/>
+              <a:t>Arduino</a:t>
+            </a:r>
+            <a:r>
+              <a:rPr lang="en-US" sz="1050" dirty="0" smtClean="0"/>
+              <a:t> </a:t>
+            </a:r>
+            <a:r>
+              <a:rPr lang="en-US" sz="1050" dirty="0" err="1" smtClean="0"/>
+              <a:t>Nano</a:t>
+            </a:r>
+            <a:r>
+              <a:rPr lang="en-US" sz="1050" dirty="0" smtClean="0"/>
+              <a:t> or </a:t>
+            </a:r>
+            <a:r>
+              <a:rPr lang="en-US" sz="1050" dirty="0" err="1" smtClean="0"/>
+              <a:t>Arduino</a:t>
+            </a:r>
+            <a:r>
+              <a:rPr lang="en-US" sz="1050" dirty="0" smtClean="0"/>
+              <a:t> Uno can be used</a:t>
+            </a:r>
+            <a:endParaRPr lang="nl-NL" sz="1050" dirty="0"/>
           </a:p>
         </p:txBody>
       </p:sp>
@@ -3499,7 +3549,7 @@
         <p:spPr/>
         <p:txBody>
           <a:bodyPr>
-            <a:normAutofit fontScale="55000" lnSpcReduction="20000"/>
+            <a:normAutofit fontScale="47500" lnSpcReduction="20000"/>
           </a:bodyPr>
           <a:lstStyle/>
           <a:p>
@@ -3563,8 +3613,21 @@
             </a:r>
             <a:r>
               <a:rPr lang="en-US" dirty="0" smtClean="0"/>
-              <a:t> and put it in a place of your own.</a:t>
-            </a:r>
+              <a:t> </a:t>
+            </a:r>
+            <a:r>
+              <a:rPr lang="en-US" dirty="0" smtClean="0"/>
+              <a:t>Uno (which is used for </a:t>
+            </a:r>
+            <a:r>
+              <a:rPr lang="en-US" dirty="0" err="1" smtClean="0"/>
+              <a:t>Nano</a:t>
+            </a:r>
+            <a:r>
+              <a:rPr lang="en-US" dirty="0" smtClean="0"/>
+              <a:t> as well)</a:t>
+            </a:r>
+            <a:endParaRPr lang="en-US" dirty="0" smtClean="0"/>
           </a:p>
           <a:p>
             <a:r>
@@ -3605,7 +3668,19 @@
             </a:r>
             <a:r>
               <a:rPr lang="en-US" dirty="0" smtClean="0"/>
-              <a:t> clones, programming via Raspberry Pi only works till </a:t>
+              <a:t> clones, </a:t>
+            </a:r>
+            <a:r>
+              <a:rPr lang="en-US" dirty="0" smtClean="0"/>
+              <a:t>I have experienced problems with programming them from </a:t>
+            </a:r>
+            <a:r>
+              <a:rPr lang="en-US" dirty="0" err="1" smtClean="0"/>
+              <a:t>RPi</a:t>
+            </a:r>
+            <a:r>
+              <a:rPr lang="en-US" dirty="0" smtClean="0"/>
+              <a:t> with the </a:t>
             </a:r>
             <a:r>
               <a:rPr lang="en-US" dirty="0" err="1" smtClean="0"/>
@@ -3613,16 +3688,40 @@
             </a:r>
             <a:r>
               <a:rPr lang="en-US" dirty="0" smtClean="0"/>
-              <a:t> release </a:t>
+              <a:t> release of 2016-05-10 and later. </a:t>
+            </a:r>
+          </a:p>
+          <a:p>
+            <a:pPr lvl="2"/>
+            <a:r>
+              <a:rPr lang="en-US" dirty="0" smtClean="0"/>
+              <a:t>Releases up to and including 2016-03-18 are OK</a:t>
+            </a:r>
+            <a:endParaRPr lang="en-US" dirty="0" smtClean="0"/>
+          </a:p>
+          <a:p>
+            <a:pPr lvl="1"/>
+            <a:r>
+              <a:rPr lang="en-US" dirty="0" smtClean="0"/>
+              <a:t>However, when NOT using the USB hub and when using </a:t>
             </a:r>
             <a:r>
               <a:rPr lang="en-US" dirty="0" err="1" smtClean="0"/>
-              <a:t>xxxx</a:t>
+              <a:t>Arduino</a:t>
             </a:r>
             <a:r>
               <a:rPr lang="en-US" dirty="0" smtClean="0"/>
-              <a:t>. Don’t understand why it fails in later releases.</a:t>
-            </a:r>
+              <a:t> IDE 1.8.0 and </a:t>
+            </a:r>
+            <a:r>
+              <a:rPr lang="en-US" dirty="0" err="1" smtClean="0"/>
+              <a:t>Raspian</a:t>
+            </a:r>
+            <a:r>
+              <a:rPr lang="en-US" dirty="0" smtClean="0"/>
+              <a:t> 2016-11-25 it works fine.</a:t>
+            </a:r>
+            <a:endParaRPr lang="en-US" dirty="0" smtClean="0"/>
           </a:p>
           <a:p>
             <a:r>
@@ -3662,7 +3761,7 @@
         <p:spPr/>
         <p:txBody>
           <a:bodyPr>
-            <a:normAutofit fontScale="55000" lnSpcReduction="20000"/>
+            <a:normAutofit fontScale="47500" lnSpcReduction="20000"/>
           </a:bodyPr>
           <a:lstStyle/>
           <a:p>
@@ -3866,11 +3965,7 @@
             <a:pPr lvl="2"/>
             <a:r>
               <a:rPr lang="en-US" sz="1400" dirty="0" smtClean="0"/>
-              <a:t>Almost always shipped for free to The Netherlands, Germany and probably other EU countries</a:t>
-            </a:r>
-            <a:r>
-              <a:rPr lang="en-US" sz="1400" dirty="0" smtClean="0"/>
-              <a:t>.</a:t>
+              <a:t>Almost always shipped for free to The Netherlands, Germany and probably other EU countries.</a:t>
             </a:r>
           </a:p>
           <a:p>
@@ -3887,7 +3982,6 @@
               <a:rPr lang="en-US" sz="1200" dirty="0" smtClean="0"/>
               <a:t> the order, the more chance that there are no shipment costs. </a:t>
             </a:r>
-            <a:endParaRPr lang="en-US" sz="1200" dirty="0" smtClean="0"/>
           </a:p>
           <a:p>
             <a:pPr lvl="1"/>
@@ -3941,23 +4035,7 @@
           <a:p>
             <a:r>
               <a:rPr lang="en-US" sz="1800" dirty="0" smtClean="0"/>
-              <a:t>Note: limit each order to max 22 euro </a:t>
-            </a:r>
-            <a:r>
-              <a:rPr lang="en-US" sz="1800" dirty="0" smtClean="0"/>
-              <a:t>(holds for all of the EU) if </a:t>
-            </a:r>
-            <a:r>
-              <a:rPr lang="en-US" sz="1800" dirty="0" smtClean="0"/>
-              <a:t>you want to avoid VAT, import duties </a:t>
-            </a:r>
-            <a:r>
-              <a:rPr lang="en-US" sz="1800" dirty="0" smtClean="0"/>
-              <a:t>and </a:t>
-            </a:r>
-            <a:r>
-              <a:rPr lang="en-US" sz="1800" dirty="0" smtClean="0"/>
-              <a:t>handling costs at the shipping company.</a:t>
+              <a:t>Note: limit each order to max 22 euro (holds for all of the EU) if you want to avoid VAT, import duties and handling costs at the shipping company.</a:t>
             </a:r>
           </a:p>
           <a:p>
@@ -4043,8 +4121,16 @@
           <a:lstStyle/>
           <a:p>
             <a:r>
+              <a:rPr lang="en-US" dirty="0" err="1" smtClean="0"/>
+              <a:t>BoM</a:t>
+            </a:r>
+            <a:r>
               <a:rPr lang="en-US" dirty="0" smtClean="0"/>
-              <a:t>BOM (Bill of Material) </a:t>
+              <a:t> </a:t>
+            </a:r>
+            <a:r>
+              <a:rPr lang="en-US" dirty="0" smtClean="0"/>
+              <a:t>(Bill of Material) </a:t>
             </a:r>
             <a:endParaRPr lang="nl-NL" dirty="0"/>
           </a:p>
@@ -4083,8 +4169,8 @@
           <p:nvPr/>
         </p:nvGraphicFramePr>
         <p:xfrm>
-          <a:off x="611559" y="915566"/>
-          <a:ext cx="8304157" cy="3384376"/>
+          <a:off x="81507" y="915566"/>
+          <a:ext cx="9010894" cy="3672408"/>
         </p:xfrm>
         <a:graphic>
           <a:graphicData uri="http://schemas.openxmlformats.org/presentationml/2006/ole">
@@ -4172,19 +4258,31 @@
         <p:spPr/>
         <p:txBody>
           <a:bodyPr>
-            <a:normAutofit/>
+            <a:normAutofit lnSpcReduction="10000"/>
           </a:bodyPr>
           <a:lstStyle/>
           <a:p>
             <a:r>
               <a:rPr lang="en-US" sz="1800" dirty="0" smtClean="0"/>
-              <a:t>Control all the GPIO pins on Raspberry Pi.</a:t>
-            </a:r>
-          </a:p>
-          <a:p>
+              <a:t>As well control </a:t>
+            </a:r>
             <a:r>
               <a:rPr lang="en-US" sz="1800" dirty="0" smtClean="0"/>
-              <a:t>Run on PC and in combination with </a:t>
+              <a:t>all the GPIO pins on Raspberry Pi.</a:t>
+            </a:r>
+          </a:p>
+          <a:p>
+            <a:r>
+              <a:rPr lang="en-US" sz="1800" dirty="0" smtClean="0"/>
+              <a:t>Run on </a:t>
+            </a:r>
+            <a:r>
+              <a:rPr lang="en-US" sz="1800" dirty="0" smtClean="0"/>
+              <a:t>a Windows PC </a:t>
+            </a:r>
+            <a:r>
+              <a:rPr lang="en-US" sz="1800" dirty="0" smtClean="0"/>
+              <a:t>and in combination with </a:t>
             </a:r>
             <a:r>
               <a:rPr lang="en-US" sz="1800" dirty="0" err="1" smtClean="0"/>
@@ -4192,13 +4290,31 @@
             </a:r>
             <a:r>
               <a:rPr lang="en-US" sz="1800" dirty="0" smtClean="0"/>
-              <a:t> provide physical computing to Scratch on running on Windows.</a:t>
-            </a:r>
-          </a:p>
-          <a:p>
+              <a:t> provide physical computing to Scratch </a:t>
+            </a:r>
             <a:r>
               <a:rPr lang="en-US" sz="1800" dirty="0" smtClean="0"/>
-              <a:t>Watch all the variables in the </a:t>
+              <a:t>running </a:t>
+            </a:r>
+            <a:r>
+              <a:rPr lang="en-US" sz="1800" dirty="0" smtClean="0"/>
+              <a:t>on Windows.</a:t>
+            </a:r>
+          </a:p>
+          <a:p>
+            <a:r>
+              <a:rPr lang="en-US" sz="1800" dirty="0" smtClean="0"/>
+              <a:t>Monitor all the peripherals from a browser.</a:t>
+            </a:r>
+          </a:p>
+          <a:p>
+            <a:r>
+              <a:rPr lang="en-US" sz="1800" dirty="0" smtClean="0"/>
+              <a:t>Watch </a:t>
+            </a:r>
+            <a:r>
+              <a:rPr lang="en-US" sz="1800" dirty="0" smtClean="0"/>
+              <a:t>all the variables in the </a:t>
             </a:r>
             <a:r>
               <a:rPr lang="en-US" sz="1800" dirty="0" err="1" smtClean="0"/>
@@ -4206,7 +4322,15 @@
             </a:r>
             <a:r>
               <a:rPr lang="en-US" sz="1800" dirty="0" smtClean="0"/>
-              <a:t> from a central PC.</a:t>
+              <a:t> from a central </a:t>
+            </a:r>
+            <a:r>
+              <a:rPr lang="en-US" sz="1800" dirty="0" smtClean="0"/>
+              <a:t>Windows PC</a:t>
+            </a:r>
+            <a:r>
+              <a:rPr lang="en-US" sz="1800" dirty="0" smtClean="0"/>
+              <a:t>.</a:t>
             </a:r>
           </a:p>
           <a:p>
@@ -4243,19 +4367,15 @@
             </a:r>
             <a:r>
               <a:rPr lang="en-US" sz="1800" dirty="0" err="1" smtClean="0"/>
-              <a:t>Arduino</a:t>
+              <a:t>Arduinos</a:t>
             </a:r>
             <a:r>
               <a:rPr lang="en-US" sz="1800" dirty="0" smtClean="0"/>
-              <a:t> </a:t>
-            </a:r>
-            <a:r>
-              <a:rPr lang="en-US" sz="1800" dirty="0" err="1" smtClean="0"/>
-              <a:t>Nanos</a:t>
+              <a:t> and </a:t>
             </a:r>
             <a:r>
               <a:rPr lang="en-US" sz="1800" dirty="0" smtClean="0"/>
-              <a:t> and address the right GPIO pins on the correct </a:t>
+              <a:t>address the right GPIO pins on the correct </a:t>
             </a:r>
             <a:r>
               <a:rPr lang="en-US" sz="1800" dirty="0" err="1" smtClean="0"/>
@@ -4302,8 +4422,17 @@
               <a:rPr lang="en-US" sz="2000" b="1" dirty="0" smtClean="0">
                 <a:sym typeface="Wingdings" pitchFamily="2" charset="2"/>
               </a:rPr>
-              <a:t> is the ideal software to bring physical computing to Scratch.</a:t>
-            </a:r>
+              <a:t> is the ideal software to bring physical computing to </a:t>
+            </a:r>
+            <a:r>
+              <a:rPr lang="en-US" sz="2000" b="1" dirty="0" smtClean="0">
+                <a:sym typeface="Wingdings" pitchFamily="2" charset="2"/>
+              </a:rPr>
+              <a:t>Scratch!</a:t>
+            </a:r>
+            <a:endParaRPr lang="en-US" sz="2000" b="1" dirty="0" smtClean="0">
+              <a:sym typeface="Wingdings" pitchFamily="2" charset="2"/>
+            </a:endParaRPr>
           </a:p>
         </p:txBody>
       </p:sp>
@@ -4380,7 +4509,7 @@
           <a:p>
             <a:r>
               <a:rPr lang="en-US" dirty="0" smtClean="0"/>
-              <a:t>More information</a:t>
+              <a:t>Try for yourself?</a:t>
             </a:r>
             <a:endParaRPr lang="nl-NL" dirty="0"/>
           </a:p>
@@ -4398,99 +4527,90 @@
         </p:nvSpPr>
         <p:spPr/>
         <p:txBody>
-          <a:bodyPr>
-            <a:normAutofit fontScale="92500" lnSpcReduction="20000"/>
-          </a:bodyPr>
+          <a:bodyPr/>
           <a:lstStyle/>
           <a:p>
             <a:r>
               <a:rPr lang="en-US" dirty="0" smtClean="0"/>
-              <a:t>This presentation and source files of the game</a:t>
+              <a:t>Attend my workshop at 13.00 today</a:t>
             </a:r>
           </a:p>
           <a:p>
             <a:pPr lvl="1"/>
             <a:r>
-              <a:rPr lang="en-US" dirty="0" smtClean="0">
-                <a:hlinkClick r:id="rId2"/>
-              </a:rPr>
-              <a:t>www.github.com</a:t>
-            </a:r>
-            <a:r>
               <a:rPr lang="en-US" dirty="0" smtClean="0"/>
-              <a:t> and search for </a:t>
+              <a:t>You can there try it out for yourself (2 people per workplace setup)</a:t>
+            </a:r>
+          </a:p>
+          <a:p>
+            <a:pPr lvl="1"/>
+            <a:r>
+              <a:rPr lang="en-US" b="1" dirty="0" smtClean="0"/>
+              <a:t>Registration </a:t>
+            </a:r>
+            <a:r>
+              <a:rPr lang="en-US" b="1" dirty="0" smtClean="0"/>
+              <a:t>mandatory </a:t>
+            </a:r>
+            <a:r>
+              <a:rPr lang="en-US" dirty="0" smtClean="0"/>
+              <a:t>(with the Pi And More </a:t>
             </a:r>
             <a:r>
               <a:rPr lang="en-US" dirty="0" err="1" smtClean="0"/>
-              <a:t>Weekendschool</a:t>
-            </a:r>
-            <a:endParaRPr lang="en-US" dirty="0" smtClean="0"/>
-          </a:p>
-          <a:p>
+              <a:t>organisers</a:t>
+            </a:r>
+            <a:r>
+              <a:rPr lang="en-US" dirty="0" smtClean="0"/>
+              <a:t>)</a:t>
+            </a:r>
+          </a:p>
+          <a:p>
+            <a:pPr lvl="1"/>
+            <a:r>
+              <a:rPr lang="en-US" dirty="0" smtClean="0"/>
+              <a:t>Hurry up, because the amount of places is </a:t>
+            </a:r>
+            <a:r>
+              <a:rPr lang="en-US" dirty="0" smtClean="0"/>
+              <a:t>limited</a:t>
+            </a:r>
+          </a:p>
+          <a:p>
+            <a:r>
+              <a:rPr lang="en-US" dirty="0" smtClean="0"/>
+              <a:t>Workshop will be in English (presentation, material, support)</a:t>
+            </a:r>
+          </a:p>
+          <a:p>
+            <a:r>
+              <a:rPr lang="en-US" dirty="0" smtClean="0"/>
+              <a:t>There will be German spoken support in addition to English</a:t>
+            </a:r>
+          </a:p>
+          <a:p>
+            <a:pPr lvl="1"/>
+            <a:r>
+              <a:rPr lang="en-US" dirty="0" smtClean="0"/>
+              <a:t>Gerhard </a:t>
+            </a:r>
+            <a:r>
+              <a:rPr lang="en-US" dirty="0" err="1" smtClean="0"/>
+              <a:t>Hepp</a:t>
+            </a:r>
+            <a:r>
+              <a:rPr lang="en-US" dirty="0" smtClean="0"/>
+              <a:t>, author of </a:t>
+            </a:r>
             <a:r>
               <a:rPr lang="en-US" dirty="0" err="1" smtClean="0"/>
               <a:t>scratchClient</a:t>
             </a:r>
-            <a:endParaRPr lang="en-US" dirty="0" smtClean="0"/>
-          </a:p>
-          <a:p>
-            <a:pPr lvl="1"/>
-            <a:r>
-              <a:rPr lang="nl-NL" dirty="0" smtClean="0">
-                <a:hlinkClick r:id="rId3"/>
-              </a:rPr>
-              <a:t>http://heppg.de/ikg/wordpress/?page_id=6</a:t>
-            </a:r>
-            <a:endParaRPr lang="nl-NL" dirty="0" smtClean="0"/>
-          </a:p>
-          <a:p>
             <a:r>
               <a:rPr lang="en-US" dirty="0" smtClean="0"/>
-              <a:t>Scratch</a:t>
-            </a:r>
-          </a:p>
-          <a:p>
-            <a:pPr lvl="1"/>
-            <a:r>
-              <a:rPr lang="nl-NL" dirty="0" smtClean="0">
-                <a:hlinkClick r:id="rId4"/>
-              </a:rPr>
-              <a:t>https://scratch.mit.edu/</a:t>
-            </a:r>
-            <a:endParaRPr lang="nl-NL" dirty="0" smtClean="0"/>
-          </a:p>
-          <a:p>
-            <a:r>
-              <a:rPr lang="en-US" dirty="0" smtClean="0"/>
-              <a:t>Raspberry Pi</a:t>
-            </a:r>
-          </a:p>
-          <a:p>
-            <a:pPr lvl="1"/>
-            <a:r>
-              <a:rPr lang="nl-NL" dirty="0" smtClean="0">
-                <a:hlinkClick r:id="rId5"/>
-              </a:rPr>
-              <a:t>https://www.raspberrypi.org/</a:t>
-            </a:r>
-            <a:endParaRPr lang="nl-NL" dirty="0" smtClean="0"/>
-          </a:p>
-          <a:p>
-            <a:r>
-              <a:rPr lang="en-US" dirty="0" err="1" smtClean="0"/>
-              <a:t>Arduino</a:t>
-            </a:r>
-            <a:endParaRPr lang="en-US" dirty="0" smtClean="0"/>
-          </a:p>
-          <a:p>
-            <a:pPr lvl="1"/>
-            <a:r>
-              <a:rPr lang="nl-NL" dirty="0" smtClean="0">
-                <a:hlinkClick r:id="rId6"/>
-              </a:rPr>
-              <a:t>https://www.arduino.cc/</a:t>
-            </a:r>
-            <a:endParaRPr lang="nl-NL" dirty="0" smtClean="0"/>
+              <a:t>, will be present.</a:t>
+            </a:r>
+            <a:endParaRPr lang="nl-NL" dirty="0"/>
           </a:p>
         </p:txBody>
       </p:sp>
@@ -4567,7 +4687,7 @@
           <a:p>
             <a:r>
               <a:rPr lang="en-US" dirty="0" smtClean="0"/>
-              <a:t>Try for yourself?</a:t>
+              <a:t>More information</a:t>
             </a:r>
             <a:endParaRPr lang="nl-NL" dirty="0"/>
           </a:p>
@@ -4585,36 +4705,120 @@
         </p:nvSpPr>
         <p:spPr/>
         <p:txBody>
-          <a:bodyPr/>
+          <a:bodyPr>
+            <a:normAutofit fontScale="92500" lnSpcReduction="20000"/>
+          </a:bodyPr>
           <a:lstStyle/>
           <a:p>
             <a:r>
               <a:rPr lang="en-US" dirty="0" smtClean="0"/>
-              <a:t>Attend my workshop at 13.00 today</a:t>
-            </a:r>
+              <a:t>This </a:t>
+            </a:r>
+            <a:r>
+              <a:rPr lang="en-US" dirty="0" smtClean="0"/>
+              <a:t>presentation, source </a:t>
+            </a:r>
+            <a:r>
+              <a:rPr lang="en-US" dirty="0" smtClean="0"/>
+              <a:t>files of the </a:t>
+            </a:r>
+            <a:r>
+              <a:rPr lang="en-US" dirty="0" smtClean="0"/>
+              <a:t>game and workshop material</a:t>
+            </a:r>
+            <a:endParaRPr lang="en-US" dirty="0" smtClean="0"/>
           </a:p>
           <a:p>
             <a:pPr lvl="1"/>
             <a:r>
+              <a:rPr lang="en-US" dirty="0" smtClean="0">
+                <a:hlinkClick r:id="rId2"/>
+              </a:rPr>
+              <a:t>www.github.com</a:t>
+            </a:r>
+            <a:r>
               <a:rPr lang="en-US" dirty="0" smtClean="0"/>
-              <a:t>Registration mandatory (with the Pi And More </a:t>
+              <a:t> and search for </a:t>
             </a:r>
             <a:r>
               <a:rPr lang="en-US" dirty="0" err="1" smtClean="0"/>
-              <a:t>organisers</a:t>
+              <a:t>Weekendschool</a:t>
             </a:r>
             <a:r>
               <a:rPr lang="en-US" dirty="0" smtClean="0"/>
-              <a:t>)</a:t>
-            </a:r>
+              <a:t> or </a:t>
+            </a:r>
+            <a:r>
+              <a:rPr lang="en-US" dirty="0" err="1" smtClean="0"/>
+              <a:t>PiAndMore</a:t>
+            </a:r>
+            <a:endParaRPr lang="en-US" dirty="0" smtClean="0"/>
+          </a:p>
+          <a:p>
+            <a:r>
+              <a:rPr lang="en-US" dirty="0" err="1" smtClean="0"/>
+              <a:t>scratchClient</a:t>
+            </a:r>
+            <a:endParaRPr lang="en-US" dirty="0" smtClean="0"/>
           </a:p>
           <a:p>
             <a:pPr lvl="1"/>
             <a:r>
+              <a:rPr lang="nl-NL" dirty="0" smtClean="0">
+                <a:hlinkClick r:id="rId3"/>
+              </a:rPr>
+              <a:t>http://heppg.de/ikg/wordpress/?page_id=6</a:t>
+            </a:r>
+            <a:endParaRPr lang="nl-NL" dirty="0" smtClean="0"/>
+          </a:p>
+          <a:p>
+            <a:r>
               <a:rPr lang="en-US" dirty="0" smtClean="0"/>
-              <a:t>Hurry up, because the amount of places is limited</a:t>
-            </a:r>
-            <a:endParaRPr lang="nl-NL" dirty="0"/>
+              <a:t>Scratch</a:t>
+            </a:r>
+          </a:p>
+          <a:p>
+            <a:pPr lvl="1"/>
+            <a:r>
+              <a:rPr lang="nl-NL" dirty="0" smtClean="0">
+                <a:hlinkClick r:id="rId4"/>
+              </a:rPr>
+              <a:t>https://scratch.mit.edu/</a:t>
+            </a:r>
+            <a:endParaRPr lang="nl-NL" dirty="0" smtClean="0"/>
+          </a:p>
+          <a:p>
+            <a:r>
+              <a:rPr lang="en-US" dirty="0" smtClean="0"/>
+              <a:t>Raspberry Pi</a:t>
+            </a:r>
+          </a:p>
+          <a:p>
+            <a:pPr lvl="1"/>
+            <a:r>
+              <a:rPr lang="nl-NL" dirty="0" smtClean="0">
+                <a:hlinkClick r:id="rId5"/>
+              </a:rPr>
+              <a:t>https://www.raspberrypi.org/</a:t>
+            </a:r>
+            <a:endParaRPr lang="nl-NL" dirty="0" smtClean="0"/>
+          </a:p>
+          <a:p>
+            <a:r>
+              <a:rPr lang="en-US" dirty="0" err="1" smtClean="0"/>
+              <a:t>Arduino</a:t>
+            </a:r>
+            <a:endParaRPr lang="en-US" dirty="0" smtClean="0"/>
+          </a:p>
+          <a:p>
+            <a:pPr lvl="1"/>
+            <a:r>
+              <a:rPr lang="nl-NL" dirty="0" smtClean="0">
+                <a:hlinkClick r:id="rId6"/>
+              </a:rPr>
+              <a:t>https://www.arduino.cc/</a:t>
+            </a:r>
+            <a:endParaRPr lang="nl-NL" dirty="0" smtClean="0"/>
           </a:p>
         </p:txBody>
       </p:sp>
@@ -5251,7 +5455,15 @@
             </a:br>
             <a:r>
               <a:rPr lang="en-US" sz="600" dirty="0" smtClean="0"/>
-              <a:t>Xxx students</a:t>
+              <a:t>58</a:t>
+            </a:r>
+            <a:r>
+              <a:rPr lang="en-US" sz="600" dirty="0" smtClean="0"/>
+              <a:t> </a:t>
+            </a:r>
+            <a:r>
+              <a:rPr lang="en-US" sz="600" dirty="0" smtClean="0"/>
+              <a:t>students</a:t>
             </a:r>
             <a:endParaRPr lang="nl-NL" sz="600" dirty="0"/>
           </a:p>
@@ -5620,15 +5832,7 @@
           <a:p>
             <a:r>
               <a:rPr lang="en-US" sz="1200" dirty="0" smtClean="0"/>
-              <a:t>Don’t </a:t>
-            </a:r>
-            <a:r>
-              <a:rPr lang="en-US" sz="1200" dirty="0" smtClean="0"/>
-              <a:t>abandon </a:t>
-            </a:r>
-            <a:r>
-              <a:rPr lang="en-US" sz="1200" dirty="0" smtClean="0"/>
-              <a:t>them at the end: Alumni program</a:t>
+              <a:t>Don’t abandon them at the end: Alumni program</a:t>
             </a:r>
           </a:p>
           <a:p>
@@ -5700,8 +5904,13 @@
           <a:p>
             <a:r>
               <a:rPr lang="en-US" sz="1200" dirty="0" smtClean="0"/>
-              <a:t>From disadvantaged neighborhoods</a:t>
-            </a:r>
+              <a:t>From disadvantaged </a:t>
+            </a:r>
+            <a:r>
+              <a:rPr lang="en-US" sz="1200" dirty="0" err="1" smtClean="0"/>
+              <a:t>neighbourhoods</a:t>
+            </a:r>
+            <a:endParaRPr lang="en-US" sz="1200" dirty="0" smtClean="0"/>
           </a:p>
           <a:p>
             <a:r>
@@ -5730,17 +5939,8 @@
           <a:p>
             <a:r>
               <a:rPr lang="en-US" sz="1200" dirty="0" smtClean="0"/>
-              <a:t>Students are selected </a:t>
-            </a:r>
-            <a:r>
-              <a:rPr lang="en-US" sz="1200" dirty="0" smtClean="0"/>
-              <a:t>on motivation, not on </a:t>
-            </a:r>
-            <a:r>
-              <a:rPr lang="en-US" sz="1200" dirty="0" smtClean="0"/>
-              <a:t>IQ</a:t>
-            </a:r>
-            <a:endParaRPr lang="en-US" sz="1200" dirty="0" smtClean="0"/>
+              <a:t>Students are selected on motivation, not on IQ</a:t>
+            </a:r>
           </a:p>
           <a:p>
             <a:r>
@@ -5769,8 +5969,13 @@
             </a:r>
             <a:r>
               <a:rPr lang="en-US" sz="1200" dirty="0" smtClean="0"/>
-              <a:t> in xxx</a:t>
-            </a:r>
+              <a:t> in </a:t>
+            </a:r>
+            <a:r>
+              <a:rPr lang="en-US" sz="1200" dirty="0" smtClean="0"/>
+              <a:t>2009</a:t>
+            </a:r>
+            <a:endParaRPr lang="en-US" sz="1200" dirty="0" smtClean="0"/>
           </a:p>
           <a:p>
             <a:r>
@@ -5856,7 +6061,7 @@
           </a:ln>
         </p:spPr>
         <p:txBody>
-          <a:bodyPr vert="horz" lIns="91440" tIns="45720" rIns="91440" bIns="45720" numCol="3" rtlCol="0">
+          <a:bodyPr vert="horz" lIns="91440" tIns="45720" rIns="91440" bIns="45720" numCol="1" rtlCol="0">
             <a:noAutofit/>
           </a:bodyPr>
           <a:lstStyle/>
@@ -6088,335 +6293,6 @@
                 <a:cs typeface="+mn-cs"/>
               </a:rPr>
               <a:t>Politics</a:t>
-            </a:r>
-          </a:p>
-          <a:p>
-            <a:pPr marL="179388" marR="0" lvl="0" indent="-179388" algn="l" defTabSz="914400" rtl="0" eaLnBrk="1" fontAlgn="auto" latinLnBrk="0" hangingPunct="1">
-              <a:lnSpc>
-                <a:spcPct val="100000"/>
-              </a:lnSpc>
-              <a:spcAft>
-                <a:spcPts val="0"/>
-              </a:spcAft>
-              <a:buClrTx/>
-              <a:buSzTx/>
-              <a:buFont typeface="Arial" pitchFamily="34" charset="0"/>
-              <a:buChar char="•"/>
-              <a:tabLst/>
-              <a:defRPr/>
-            </a:pPr>
-            <a:r>
-              <a:rPr kumimoji="0" lang="en-US" sz="1200" b="0" i="0" u="none" strike="noStrike" kern="1200" cap="none" spc="0" normalizeH="0" baseline="0" noProof="0" dirty="0" smtClean="0">
-                <a:ln>
-                  <a:noFill/>
-                </a:ln>
-                <a:solidFill>
-                  <a:srgbClr val="FF0000"/>
-                </a:solidFill>
-                <a:effectLst/>
-                <a:uLnTx/>
-                <a:uFillTx/>
-                <a:latin typeface="+mn-lt"/>
-                <a:ea typeface="+mn-ea"/>
-                <a:cs typeface="+mn-cs"/>
-              </a:rPr>
-              <a:t>Mathematics</a:t>
-            </a:r>
-          </a:p>
-          <a:p>
-            <a:pPr marL="179388" marR="0" lvl="0" indent="-179388" algn="l" defTabSz="914400" rtl="0" eaLnBrk="1" fontAlgn="auto" latinLnBrk="0" hangingPunct="1">
-              <a:lnSpc>
-                <a:spcPct val="100000"/>
-              </a:lnSpc>
-              <a:spcAft>
-                <a:spcPts val="0"/>
-              </a:spcAft>
-              <a:buClrTx/>
-              <a:buSzTx/>
-              <a:buFont typeface="Arial" pitchFamily="34" charset="0"/>
-              <a:buChar char="•"/>
-              <a:tabLst/>
-              <a:defRPr/>
-            </a:pPr>
-            <a:r>
-              <a:rPr kumimoji="0" lang="en-US" sz="1200" b="0" i="0" u="none" strike="noStrike" kern="1200" cap="none" spc="0" normalizeH="0" baseline="0" noProof="0" dirty="0" smtClean="0">
-                <a:ln>
-                  <a:noFill/>
-                </a:ln>
-                <a:solidFill>
-                  <a:srgbClr val="FF0000"/>
-                </a:solidFill>
-                <a:effectLst/>
-                <a:uLnTx/>
-                <a:uFillTx/>
-                <a:latin typeface="+mn-lt"/>
-                <a:ea typeface="+mn-ea"/>
-                <a:cs typeface="+mn-cs"/>
-              </a:rPr>
-              <a:t>Physics</a:t>
-            </a:r>
-          </a:p>
-          <a:p>
-            <a:pPr marL="179388" marR="0" lvl="0" indent="-179388" algn="l" defTabSz="914400" rtl="0" eaLnBrk="1" fontAlgn="auto" latinLnBrk="0" hangingPunct="1">
-              <a:lnSpc>
-                <a:spcPct val="100000"/>
-              </a:lnSpc>
-              <a:spcAft>
-                <a:spcPts val="0"/>
-              </a:spcAft>
-              <a:buClrTx/>
-              <a:buSzTx/>
-              <a:buFont typeface="Arial" pitchFamily="34" charset="0"/>
-              <a:buChar char="•"/>
-              <a:tabLst/>
-              <a:defRPr/>
-            </a:pPr>
-            <a:r>
-              <a:rPr kumimoji="0" lang="en-US" sz="1200" b="0" i="0" u="none" strike="noStrike" kern="1200" cap="none" spc="0" normalizeH="0" baseline="0" noProof="0" dirty="0" smtClean="0">
-                <a:ln>
-                  <a:noFill/>
-                </a:ln>
-                <a:solidFill>
-                  <a:srgbClr val="FF0000"/>
-                </a:solidFill>
-                <a:effectLst/>
-                <a:uLnTx/>
-                <a:uFillTx/>
-                <a:latin typeface="+mn-lt"/>
-                <a:ea typeface="+mn-ea"/>
-                <a:cs typeface="+mn-cs"/>
-              </a:rPr>
-              <a:t>Programming</a:t>
-            </a:r>
-          </a:p>
-          <a:p>
-            <a:pPr marL="179388" marR="0" lvl="0" indent="-179388" algn="l" defTabSz="914400" rtl="0" eaLnBrk="1" fontAlgn="auto" latinLnBrk="0" hangingPunct="1">
-              <a:lnSpc>
-                <a:spcPct val="100000"/>
-              </a:lnSpc>
-              <a:spcAft>
-                <a:spcPts val="0"/>
-              </a:spcAft>
-              <a:buClrTx/>
-              <a:buSzTx/>
-              <a:buFont typeface="Arial" pitchFamily="34" charset="0"/>
-              <a:buChar char="•"/>
-              <a:tabLst/>
-              <a:defRPr/>
-            </a:pPr>
-            <a:r>
-              <a:rPr lang="en-US" sz="1200" dirty="0" smtClean="0"/>
-              <a:t>Film</a:t>
-            </a:r>
-          </a:p>
-          <a:p>
-            <a:pPr marL="179388" marR="0" lvl="0" indent="-179388" algn="l" defTabSz="914400" rtl="0" eaLnBrk="1" fontAlgn="auto" latinLnBrk="0" hangingPunct="1">
-              <a:lnSpc>
-                <a:spcPct val="100000"/>
-              </a:lnSpc>
-              <a:spcAft>
-                <a:spcPts val="0"/>
-              </a:spcAft>
-              <a:buClrTx/>
-              <a:buSzTx/>
-              <a:buFont typeface="Arial" pitchFamily="34" charset="0"/>
-              <a:buChar char="•"/>
-              <a:tabLst/>
-              <a:defRPr/>
-            </a:pPr>
-            <a:r>
-              <a:rPr kumimoji="0" lang="en-US" sz="1200" b="0" i="0" u="none" strike="noStrike" kern="1200" cap="none" spc="0" normalizeH="0" baseline="0" noProof="0" dirty="0" smtClean="0">
-                <a:ln>
-                  <a:noFill/>
-                </a:ln>
-                <a:solidFill>
-                  <a:schemeClr val="tx1"/>
-                </a:solidFill>
-                <a:effectLst/>
-                <a:uLnTx/>
-                <a:uFillTx/>
-                <a:latin typeface="+mn-lt"/>
-                <a:ea typeface="+mn-ea"/>
-                <a:cs typeface="+mn-cs"/>
-              </a:rPr>
-              <a:t>Architecture</a:t>
-            </a:r>
-          </a:p>
-          <a:p>
-            <a:pPr marL="179388" marR="0" lvl="0" indent="-179388" algn="l" defTabSz="914400" rtl="0" eaLnBrk="1" fontAlgn="auto" latinLnBrk="0" hangingPunct="1">
-              <a:lnSpc>
-                <a:spcPct val="100000"/>
-              </a:lnSpc>
-              <a:spcAft>
-                <a:spcPts val="0"/>
-              </a:spcAft>
-              <a:buClrTx/>
-              <a:buSzTx/>
-              <a:buFont typeface="Arial" pitchFamily="34" charset="0"/>
-              <a:buChar char="•"/>
-              <a:tabLst/>
-              <a:defRPr/>
-            </a:pPr>
-            <a:r>
-              <a:rPr lang="en-US" sz="1200" dirty="0" smtClean="0"/>
-              <a:t>Entrepreneur</a:t>
-            </a:r>
-          </a:p>
-          <a:p>
-            <a:pPr marL="179388" marR="0" lvl="0" indent="-179388" algn="l" defTabSz="914400" rtl="0" eaLnBrk="1" fontAlgn="auto" latinLnBrk="0" hangingPunct="1">
-              <a:lnSpc>
-                <a:spcPct val="100000"/>
-              </a:lnSpc>
-              <a:spcAft>
-                <a:spcPts val="0"/>
-              </a:spcAft>
-              <a:buClrTx/>
-              <a:buSzTx/>
-              <a:buFont typeface="Arial" pitchFamily="34" charset="0"/>
-              <a:buChar char="•"/>
-              <a:tabLst/>
-              <a:defRPr/>
-            </a:pPr>
-            <a:r>
-              <a:rPr kumimoji="0" lang="en-US" sz="1200" b="0" i="0" u="none" strike="noStrike" kern="1200" cap="none" spc="0" normalizeH="0" baseline="0" noProof="0" dirty="0" smtClean="0">
-                <a:ln>
-                  <a:noFill/>
-                </a:ln>
-                <a:solidFill>
-                  <a:schemeClr val="tx1"/>
-                </a:solidFill>
-                <a:effectLst/>
-                <a:uLnTx/>
-                <a:uFillTx/>
-                <a:latin typeface="+mn-lt"/>
-                <a:ea typeface="+mn-ea"/>
-                <a:cs typeface="+mn-cs"/>
-              </a:rPr>
-              <a:t>Language</a:t>
-            </a:r>
-            <a:r>
-              <a:rPr kumimoji="0" lang="en-US" sz="1200" b="0" i="0" u="none" strike="noStrike" kern="1200" cap="none" spc="0" normalizeH="0" noProof="0" dirty="0" smtClean="0">
-                <a:ln>
-                  <a:noFill/>
-                </a:ln>
-                <a:solidFill>
-                  <a:schemeClr val="tx1"/>
-                </a:solidFill>
-                <a:effectLst/>
-                <a:uLnTx/>
-                <a:uFillTx/>
-                <a:latin typeface="+mn-lt"/>
-                <a:ea typeface="+mn-ea"/>
-                <a:cs typeface="+mn-cs"/>
-              </a:rPr>
-              <a:t> &amp; Poetry</a:t>
-            </a:r>
-          </a:p>
-          <a:p>
-            <a:pPr marL="179388" marR="0" lvl="0" indent="-179388" algn="l" defTabSz="914400" rtl="0" eaLnBrk="1" fontAlgn="auto" latinLnBrk="0" hangingPunct="1">
-              <a:lnSpc>
-                <a:spcPct val="100000"/>
-              </a:lnSpc>
-              <a:spcAft>
-                <a:spcPts val="0"/>
-              </a:spcAft>
-              <a:buClrTx/>
-              <a:buSzTx/>
-              <a:buFont typeface="Arial" pitchFamily="34" charset="0"/>
-              <a:buChar char="•"/>
-              <a:tabLst/>
-              <a:defRPr/>
-            </a:pPr>
-            <a:r>
-              <a:rPr lang="en-US" sz="1200" baseline="0" dirty="0" smtClean="0"/>
-              <a:t>Safety</a:t>
-            </a:r>
-          </a:p>
-          <a:p>
-            <a:pPr marL="179388" marR="0" lvl="0" indent="-179388" algn="l" defTabSz="914400" rtl="0" eaLnBrk="1" fontAlgn="auto" latinLnBrk="0" hangingPunct="1">
-              <a:lnSpc>
-                <a:spcPct val="100000"/>
-              </a:lnSpc>
-              <a:spcAft>
-                <a:spcPts val="0"/>
-              </a:spcAft>
-              <a:buClrTx/>
-              <a:buSzTx/>
-              <a:buFont typeface="Arial" pitchFamily="34" charset="0"/>
-              <a:buChar char="•"/>
-              <a:tabLst/>
-              <a:defRPr/>
-            </a:pPr>
-            <a:r>
-              <a:rPr kumimoji="0" lang="en-US" sz="1200" b="0" i="0" u="none" strike="noStrike" kern="1200" cap="none" spc="0" normalizeH="0" noProof="0" dirty="0" smtClean="0">
-                <a:ln>
-                  <a:noFill/>
-                </a:ln>
-                <a:solidFill>
-                  <a:schemeClr val="tx1"/>
-                </a:solidFill>
-                <a:effectLst/>
-                <a:uLnTx/>
-                <a:uFillTx/>
-                <a:latin typeface="+mn-lt"/>
-                <a:ea typeface="+mn-ea"/>
-                <a:cs typeface="+mn-cs"/>
-              </a:rPr>
-              <a:t>Energy</a:t>
-            </a:r>
-          </a:p>
-          <a:p>
-            <a:pPr marL="179388" marR="0" lvl="0" indent="-179388" algn="l" defTabSz="914400" rtl="0" eaLnBrk="1" fontAlgn="auto" latinLnBrk="0" hangingPunct="1">
-              <a:lnSpc>
-                <a:spcPct val="100000"/>
-              </a:lnSpc>
-              <a:spcAft>
-                <a:spcPts val="0"/>
-              </a:spcAft>
-              <a:buClrTx/>
-              <a:buSzTx/>
-              <a:buFont typeface="Arial" pitchFamily="34" charset="0"/>
-              <a:buChar char="•"/>
-              <a:tabLst/>
-              <a:defRPr/>
-            </a:pPr>
-            <a:r>
-              <a:rPr lang="en-US" sz="1200" dirty="0" smtClean="0"/>
-              <a:t>Journalism</a:t>
-            </a:r>
-            <a:endParaRPr kumimoji="0" lang="en-US" sz="1200" b="0" i="0" u="none" strike="noStrike" kern="1200" cap="none" spc="0" normalizeH="0" noProof="0" dirty="0" smtClean="0">
-              <a:ln>
-                <a:noFill/>
-              </a:ln>
-              <a:solidFill>
-                <a:schemeClr val="tx1"/>
-              </a:solidFill>
-              <a:effectLst/>
-              <a:uLnTx/>
-              <a:uFillTx/>
-              <a:latin typeface="+mn-lt"/>
-              <a:ea typeface="+mn-ea"/>
-              <a:cs typeface="+mn-cs"/>
-            </a:endParaRPr>
-          </a:p>
-          <a:p>
-            <a:pPr marL="179388" marR="0" lvl="0" indent="-179388" algn="l" defTabSz="914400" rtl="0" eaLnBrk="1" fontAlgn="auto" latinLnBrk="0" hangingPunct="1">
-              <a:lnSpc>
-                <a:spcPct val="100000"/>
-              </a:lnSpc>
-              <a:spcAft>
-                <a:spcPts val="0"/>
-              </a:spcAft>
-              <a:buClrTx/>
-              <a:buSzTx/>
-              <a:buFont typeface="Arial" pitchFamily="34" charset="0"/>
-              <a:buChar char="•"/>
-              <a:tabLst/>
-              <a:defRPr/>
-            </a:pPr>
-            <a:r>
-              <a:rPr lang="en-US" sz="1200" noProof="0" dirty="0" smtClean="0"/>
-              <a:t>… many more</a:t>
             </a:r>
             <a:endParaRPr kumimoji="0" lang="en-US" sz="1200" b="0" i="0" u="none" strike="noStrike" kern="1200" cap="none" spc="0" normalizeH="0" baseline="0" noProof="0" dirty="0" smtClean="0">
               <a:ln>
@@ -6535,6 +6411,449 @@
               <a:t> </a:t>
             </a:r>
             <a:endParaRPr kumimoji="0" lang="nl-NL" sz="1400" b="0" i="0" u="none" strike="noStrike" kern="1200" cap="none" spc="0" normalizeH="0" baseline="0" noProof="0" dirty="0" smtClean="0">
+              <a:ln>
+                <a:noFill/>
+              </a:ln>
+              <a:solidFill>
+                <a:schemeClr val="tx1"/>
+              </a:solidFill>
+              <a:effectLst/>
+              <a:uLnTx/>
+              <a:uFillTx/>
+              <a:latin typeface="+mn-lt"/>
+              <a:ea typeface="+mn-ea"/>
+              <a:cs typeface="+mn-cs"/>
+            </a:endParaRPr>
+          </a:p>
+        </p:txBody>
+      </p:sp>
+      <p:sp>
+        <p:nvSpPr>
+          <p:cNvPr id="8" name="Tijdelijke aanduiding voor inhoud 2"/>
+          <p:cNvSpPr txBox="1">
+            <a:spLocks/>
+          </p:cNvSpPr>
+          <p:nvPr/>
+        </p:nvSpPr>
+        <p:spPr>
+          <a:xfrm>
+            <a:off x="3059832" y="3075806"/>
+            <a:ext cx="1440160" cy="1512168"/>
+          </a:xfrm>
+          <a:prstGeom prst="rect">
+            <a:avLst/>
+          </a:prstGeom>
+          <a:ln>
+            <a:noFill/>
+          </a:ln>
+        </p:spPr>
+        <p:txBody>
+          <a:bodyPr vert="horz" lIns="91440" tIns="45720" rIns="91440" bIns="45720" numCol="1" rtlCol="0">
+            <a:noAutofit/>
+          </a:bodyPr>
+          <a:lstStyle/>
+          <a:p>
+            <a:pPr marL="179388" marR="0" lvl="0" indent="-179388" algn="l" defTabSz="914400" rtl="0" eaLnBrk="1" fontAlgn="auto" latinLnBrk="0" hangingPunct="1">
+              <a:lnSpc>
+                <a:spcPct val="100000"/>
+              </a:lnSpc>
+              <a:spcAft>
+                <a:spcPts val="0"/>
+              </a:spcAft>
+              <a:buClrTx/>
+              <a:buSzTx/>
+              <a:buFont typeface="Arial" pitchFamily="34" charset="0"/>
+              <a:buChar char="•"/>
+              <a:tabLst/>
+              <a:defRPr/>
+            </a:pPr>
+            <a:r>
+              <a:rPr lang="en-US" sz="1200" baseline="0" dirty="0" smtClean="0"/>
+              <a:t>Safety</a:t>
+            </a:r>
+            <a:endParaRPr lang="en-US" sz="1200" baseline="0" dirty="0" smtClean="0"/>
+          </a:p>
+          <a:p>
+            <a:pPr marL="179388" marR="0" lvl="0" indent="-179388" algn="l" defTabSz="914400" rtl="0" eaLnBrk="1" fontAlgn="auto" latinLnBrk="0" hangingPunct="1">
+              <a:lnSpc>
+                <a:spcPct val="100000"/>
+              </a:lnSpc>
+              <a:spcAft>
+                <a:spcPts val="0"/>
+              </a:spcAft>
+              <a:buClrTx/>
+              <a:buSzTx/>
+              <a:buFont typeface="Arial" pitchFamily="34" charset="0"/>
+              <a:buChar char="•"/>
+              <a:tabLst/>
+              <a:defRPr/>
+            </a:pPr>
+            <a:r>
+              <a:rPr kumimoji="0" lang="en-US" sz="1200" b="0" i="0" u="none" strike="noStrike" kern="1200" cap="none" spc="0" normalizeH="0" noProof="0" dirty="0" smtClean="0">
+                <a:ln>
+                  <a:noFill/>
+                </a:ln>
+                <a:solidFill>
+                  <a:schemeClr val="tx1"/>
+                </a:solidFill>
+                <a:effectLst/>
+                <a:uLnTx/>
+                <a:uFillTx/>
+                <a:latin typeface="+mn-lt"/>
+                <a:ea typeface="+mn-ea"/>
+                <a:cs typeface="+mn-cs"/>
+              </a:rPr>
+              <a:t>Energy</a:t>
+            </a:r>
+          </a:p>
+          <a:p>
+            <a:pPr marL="179388" marR="0" lvl="0" indent="-179388" algn="l" defTabSz="914400" rtl="0" eaLnBrk="1" fontAlgn="auto" latinLnBrk="0" hangingPunct="1">
+              <a:lnSpc>
+                <a:spcPct val="100000"/>
+              </a:lnSpc>
+              <a:spcAft>
+                <a:spcPts val="0"/>
+              </a:spcAft>
+              <a:buClrTx/>
+              <a:buSzTx/>
+              <a:buFont typeface="Arial" pitchFamily="34" charset="0"/>
+              <a:buChar char="•"/>
+              <a:tabLst/>
+              <a:defRPr/>
+            </a:pPr>
+            <a:r>
+              <a:rPr lang="en-US" sz="1200" dirty="0" smtClean="0"/>
+              <a:t>Journalism</a:t>
+            </a:r>
+            <a:endParaRPr kumimoji="0" lang="en-US" sz="1200" b="0" i="0" u="none" strike="noStrike" kern="1200" cap="none" spc="0" normalizeH="0" noProof="0" dirty="0" smtClean="0">
+              <a:ln>
+                <a:noFill/>
+              </a:ln>
+              <a:solidFill>
+                <a:schemeClr val="tx1"/>
+              </a:solidFill>
+              <a:effectLst/>
+              <a:uLnTx/>
+              <a:uFillTx/>
+              <a:latin typeface="+mn-lt"/>
+              <a:ea typeface="+mn-ea"/>
+              <a:cs typeface="+mn-cs"/>
+            </a:endParaRPr>
+          </a:p>
+          <a:p>
+            <a:pPr marL="179388" marR="0" lvl="0" indent="-179388" algn="l" defTabSz="914400" rtl="0" eaLnBrk="1" fontAlgn="auto" latinLnBrk="0" hangingPunct="1">
+              <a:lnSpc>
+                <a:spcPct val="100000"/>
+              </a:lnSpc>
+              <a:spcAft>
+                <a:spcPts val="0"/>
+              </a:spcAft>
+              <a:buClrTx/>
+              <a:buSzTx/>
+              <a:buFont typeface="Arial" pitchFamily="34" charset="0"/>
+              <a:buChar char="•"/>
+              <a:tabLst/>
+              <a:defRPr/>
+            </a:pPr>
+            <a:r>
+              <a:rPr lang="en-US" sz="1200" noProof="0" dirty="0" smtClean="0"/>
+              <a:t>… many more</a:t>
+            </a:r>
+            <a:endParaRPr kumimoji="0" lang="en-US" sz="1200" b="0" i="0" u="none" strike="noStrike" kern="1200" cap="none" spc="0" normalizeH="0" baseline="0" noProof="0" dirty="0" smtClean="0">
+              <a:ln>
+                <a:noFill/>
+              </a:ln>
+              <a:solidFill>
+                <a:schemeClr val="tx1"/>
+              </a:solidFill>
+              <a:effectLst/>
+              <a:uLnTx/>
+              <a:uFillTx/>
+              <a:latin typeface="+mn-lt"/>
+              <a:ea typeface="+mn-ea"/>
+              <a:cs typeface="+mn-cs"/>
+            </a:endParaRPr>
+          </a:p>
+        </p:txBody>
+      </p:sp>
+      <p:sp>
+        <p:nvSpPr>
+          <p:cNvPr id="9" name="Tijdelijke aanduiding voor inhoud 2"/>
+          <p:cNvSpPr txBox="1">
+            <a:spLocks/>
+          </p:cNvSpPr>
+          <p:nvPr/>
+        </p:nvSpPr>
+        <p:spPr>
+          <a:xfrm>
+            <a:off x="1691680" y="3075806"/>
+            <a:ext cx="2808312" cy="1512168"/>
+          </a:xfrm>
+          <a:prstGeom prst="rect">
+            <a:avLst/>
+          </a:prstGeom>
+          <a:ln>
+            <a:noFill/>
+          </a:ln>
+        </p:spPr>
+        <p:txBody>
+          <a:bodyPr vert="horz" lIns="91440" tIns="45720" rIns="91440" bIns="45720" numCol="1" rtlCol="0">
+            <a:noAutofit/>
+          </a:bodyPr>
+          <a:lstStyle/>
+          <a:p>
+            <a:pPr marL="179388" marR="0" lvl="0" indent="-179388" algn="l" defTabSz="914400" rtl="0" eaLnBrk="1" fontAlgn="auto" latinLnBrk="0" hangingPunct="1">
+              <a:lnSpc>
+                <a:spcPct val="100000"/>
+              </a:lnSpc>
+              <a:spcAft>
+                <a:spcPts val="0"/>
+              </a:spcAft>
+              <a:buClrTx/>
+              <a:buSzTx/>
+              <a:buFont typeface="Arial" pitchFamily="34" charset="0"/>
+              <a:buChar char="•"/>
+              <a:tabLst/>
+              <a:defRPr/>
+            </a:pPr>
+            <a:r>
+              <a:rPr kumimoji="0" lang="en-US" sz="1200" b="0" i="0" u="none" strike="noStrike" kern="1200" cap="none" spc="0" normalizeH="0" baseline="0" noProof="0" dirty="0" smtClean="0">
+                <a:ln>
+                  <a:noFill/>
+                </a:ln>
+                <a:solidFill>
+                  <a:srgbClr val="FF0000"/>
+                </a:solidFill>
+                <a:effectLst/>
+                <a:uLnTx/>
+                <a:uFillTx/>
+                <a:latin typeface="+mn-lt"/>
+                <a:ea typeface="+mn-ea"/>
+                <a:cs typeface="+mn-cs"/>
+              </a:rPr>
+              <a:t>Mathematics</a:t>
+            </a:r>
+            <a:endParaRPr kumimoji="0" lang="en-US" sz="1200" b="0" i="0" u="none" strike="noStrike" kern="1200" cap="none" spc="0" normalizeH="0" baseline="0" noProof="0" dirty="0" smtClean="0">
+              <a:ln>
+                <a:noFill/>
+              </a:ln>
+              <a:solidFill>
+                <a:srgbClr val="FF0000"/>
+              </a:solidFill>
+              <a:effectLst/>
+              <a:uLnTx/>
+              <a:uFillTx/>
+              <a:latin typeface="+mn-lt"/>
+              <a:ea typeface="+mn-ea"/>
+              <a:cs typeface="+mn-cs"/>
+            </a:endParaRPr>
+          </a:p>
+          <a:p>
+            <a:pPr marL="179388" marR="0" lvl="0" indent="-179388" algn="l" defTabSz="914400" rtl="0" eaLnBrk="1" fontAlgn="auto" latinLnBrk="0" hangingPunct="1">
+              <a:lnSpc>
+                <a:spcPct val="100000"/>
+              </a:lnSpc>
+              <a:spcAft>
+                <a:spcPts val="0"/>
+              </a:spcAft>
+              <a:buClrTx/>
+              <a:buSzTx/>
+              <a:buFont typeface="Arial" pitchFamily="34" charset="0"/>
+              <a:buChar char="•"/>
+              <a:tabLst/>
+              <a:defRPr/>
+            </a:pPr>
+            <a:r>
+              <a:rPr kumimoji="0" lang="en-US" sz="1200" b="0" i="0" u="none" strike="noStrike" kern="1200" cap="none" spc="0" normalizeH="0" baseline="0" noProof="0" dirty="0" smtClean="0">
+                <a:ln>
+                  <a:noFill/>
+                </a:ln>
+                <a:solidFill>
+                  <a:srgbClr val="FF0000"/>
+                </a:solidFill>
+                <a:effectLst/>
+                <a:uLnTx/>
+                <a:uFillTx/>
+                <a:latin typeface="+mn-lt"/>
+                <a:ea typeface="+mn-ea"/>
+                <a:cs typeface="+mn-cs"/>
+              </a:rPr>
+              <a:t>Physics</a:t>
+            </a:r>
+          </a:p>
+          <a:p>
+            <a:pPr marL="179388" marR="0" lvl="0" indent="-179388" algn="l" defTabSz="914400" rtl="0" eaLnBrk="1" fontAlgn="auto" latinLnBrk="0" hangingPunct="1">
+              <a:lnSpc>
+                <a:spcPct val="100000"/>
+              </a:lnSpc>
+              <a:spcAft>
+                <a:spcPts val="0"/>
+              </a:spcAft>
+              <a:buClrTx/>
+              <a:buSzTx/>
+              <a:buFont typeface="Arial" pitchFamily="34" charset="0"/>
+              <a:buChar char="•"/>
+              <a:tabLst/>
+              <a:defRPr/>
+            </a:pPr>
+            <a:r>
+              <a:rPr kumimoji="0" lang="en-US" sz="1200" b="0" i="0" u="none" strike="noStrike" kern="1200" cap="none" spc="0" normalizeH="0" baseline="0" noProof="0" dirty="0" smtClean="0">
+                <a:ln>
+                  <a:noFill/>
+                </a:ln>
+                <a:solidFill>
+                  <a:srgbClr val="FF0000"/>
+                </a:solidFill>
+                <a:effectLst/>
+                <a:uLnTx/>
+                <a:uFillTx/>
+                <a:latin typeface="+mn-lt"/>
+                <a:ea typeface="+mn-ea"/>
+                <a:cs typeface="+mn-cs"/>
+              </a:rPr>
+              <a:t>Programming</a:t>
+            </a:r>
+          </a:p>
+          <a:p>
+            <a:pPr marL="179388" marR="0" lvl="0" indent="-179388" algn="l" defTabSz="914400" rtl="0" eaLnBrk="1" fontAlgn="auto" latinLnBrk="0" hangingPunct="1">
+              <a:lnSpc>
+                <a:spcPct val="100000"/>
+              </a:lnSpc>
+              <a:spcAft>
+                <a:spcPts val="0"/>
+              </a:spcAft>
+              <a:buClrTx/>
+              <a:buSzTx/>
+              <a:buFont typeface="Arial" pitchFamily="34" charset="0"/>
+              <a:buChar char="•"/>
+              <a:tabLst/>
+              <a:defRPr/>
+            </a:pPr>
+            <a:r>
+              <a:rPr lang="en-US" sz="1200" dirty="0" smtClean="0"/>
+              <a:t>Film</a:t>
+            </a:r>
+          </a:p>
+          <a:p>
+            <a:pPr marL="179388" marR="0" lvl="0" indent="-179388" algn="l" defTabSz="914400" rtl="0" eaLnBrk="1" fontAlgn="auto" latinLnBrk="0" hangingPunct="1">
+              <a:lnSpc>
+                <a:spcPct val="100000"/>
+              </a:lnSpc>
+              <a:spcAft>
+                <a:spcPts val="0"/>
+              </a:spcAft>
+              <a:buClrTx/>
+              <a:buSzTx/>
+              <a:buFont typeface="Arial" pitchFamily="34" charset="0"/>
+              <a:buChar char="•"/>
+              <a:tabLst/>
+              <a:defRPr/>
+            </a:pPr>
+            <a:r>
+              <a:rPr kumimoji="0" lang="en-US" sz="1200" b="0" i="0" u="none" strike="noStrike" kern="1200" cap="none" spc="0" normalizeH="0" baseline="0" noProof="0" dirty="0" smtClean="0">
+                <a:ln>
+                  <a:noFill/>
+                </a:ln>
+                <a:solidFill>
+                  <a:schemeClr val="tx1"/>
+                </a:solidFill>
+                <a:effectLst/>
+                <a:uLnTx/>
+                <a:uFillTx/>
+                <a:latin typeface="+mn-lt"/>
+                <a:ea typeface="+mn-ea"/>
+                <a:cs typeface="+mn-cs"/>
+              </a:rPr>
+              <a:t>Architecture</a:t>
+            </a:r>
+          </a:p>
+          <a:p>
+            <a:pPr marL="179388" marR="0" lvl="0" indent="-179388" algn="l" defTabSz="914400" rtl="0" eaLnBrk="1" fontAlgn="auto" latinLnBrk="0" hangingPunct="1">
+              <a:lnSpc>
+                <a:spcPct val="100000"/>
+              </a:lnSpc>
+              <a:spcAft>
+                <a:spcPts val="0"/>
+              </a:spcAft>
+              <a:buClrTx/>
+              <a:buSzTx/>
+              <a:buFont typeface="Arial" pitchFamily="34" charset="0"/>
+              <a:buChar char="•"/>
+              <a:tabLst/>
+              <a:defRPr/>
+            </a:pPr>
+            <a:r>
+              <a:rPr lang="en-US" sz="1200" dirty="0" smtClean="0"/>
+              <a:t>Entrepreneur</a:t>
+            </a:r>
+          </a:p>
+          <a:p>
+            <a:pPr marL="179388" marR="0" lvl="0" indent="-179388" algn="l" defTabSz="914400" rtl="0" eaLnBrk="1" fontAlgn="auto" latinLnBrk="0" hangingPunct="1">
+              <a:lnSpc>
+                <a:spcPct val="100000"/>
+              </a:lnSpc>
+              <a:spcAft>
+                <a:spcPts val="0"/>
+              </a:spcAft>
+              <a:buClrTx/>
+              <a:buSzTx/>
+              <a:buFont typeface="Arial" pitchFamily="34" charset="0"/>
+              <a:buChar char="•"/>
+              <a:tabLst/>
+              <a:defRPr/>
+            </a:pPr>
+            <a:r>
+              <a:rPr kumimoji="0" lang="en-US" sz="1200" b="0" i="0" u="none" strike="noStrike" kern="1200" cap="none" spc="0" normalizeH="0" baseline="0" noProof="0" dirty="0" smtClean="0">
+                <a:ln>
+                  <a:noFill/>
+                </a:ln>
+                <a:solidFill>
+                  <a:schemeClr val="tx1"/>
+                </a:solidFill>
+                <a:effectLst/>
+                <a:uLnTx/>
+                <a:uFillTx/>
+                <a:latin typeface="+mn-lt"/>
+                <a:ea typeface="+mn-ea"/>
+                <a:cs typeface="+mn-cs"/>
+              </a:rPr>
+              <a:t>Language</a:t>
+            </a:r>
+            <a:r>
+              <a:rPr kumimoji="0" lang="en-US" sz="1200" b="0" i="0" u="none" strike="noStrike" kern="1200" cap="none" spc="0" normalizeH="0" noProof="0" dirty="0" smtClean="0">
+                <a:ln>
+                  <a:noFill/>
+                </a:ln>
+                <a:solidFill>
+                  <a:schemeClr val="tx1"/>
+                </a:solidFill>
+                <a:effectLst/>
+                <a:uLnTx/>
+                <a:uFillTx/>
+                <a:latin typeface="+mn-lt"/>
+                <a:ea typeface="+mn-ea"/>
+                <a:cs typeface="+mn-cs"/>
+              </a:rPr>
+              <a:t> &amp; </a:t>
+            </a:r>
+            <a:r>
+              <a:rPr kumimoji="0" lang="en-US" sz="1200" b="0" i="0" u="none" strike="noStrike" kern="1200" cap="none" spc="0" normalizeH="0" noProof="0" dirty="0" smtClean="0">
+                <a:ln>
+                  <a:noFill/>
+                </a:ln>
+                <a:solidFill>
+                  <a:schemeClr val="tx1"/>
+                </a:solidFill>
+                <a:effectLst/>
+                <a:uLnTx/>
+                <a:uFillTx/>
+                <a:latin typeface="+mn-lt"/>
+                <a:ea typeface="+mn-ea"/>
+                <a:cs typeface="+mn-cs"/>
+              </a:rPr>
+              <a:t>Poetry</a:t>
+            </a:r>
+            <a:endParaRPr kumimoji="0" lang="en-US" sz="1200" b="0" i="0" u="none" strike="noStrike" kern="1200" cap="none" spc="0" normalizeH="0" noProof="0" dirty="0" smtClean="0">
               <a:ln>
                 <a:noFill/>
               </a:ln>
@@ -8909,11 +9228,7 @@
             </a:r>
             <a:r>
               <a:rPr lang="en-US" dirty="0" smtClean="0"/>
-              <a:t> </a:t>
-            </a:r>
-            <a:r>
-              <a:rPr lang="en-US" dirty="0" smtClean="0"/>
-              <a:t>at random</a:t>
+              <a:t> at random</a:t>
             </a:r>
           </a:p>
           <a:p>

--- a/PiAndMore/Part-0--Presentation/A lesson of physical Computing with Scratch.pptx
+++ b/PiAndMore/Part-0--Presentation/A lesson of physical Computing with Scratch.pptx
@@ -3249,11 +3249,7 @@
             </a:r>
             <a:r>
               <a:rPr lang="en-US" dirty="0" smtClean="0"/>
-              <a:t>* </a:t>
-            </a:r>
-            <a:r>
-              <a:rPr lang="en-US" dirty="0" smtClean="0"/>
-              <a:t>for GPIO rather than the GPIO of Raspberry Pi?</a:t>
+              <a:t>* for GPIO rather than the GPIO of Raspberry Pi?</a:t>
             </a:r>
             <a:endParaRPr lang="nl-NL" dirty="0"/>
           </a:p>
@@ -3613,11 +3609,7 @@
             </a:r>
             <a:r>
               <a:rPr lang="en-US" dirty="0" smtClean="0"/>
-              <a:t> </a:t>
-            </a:r>
-            <a:r>
-              <a:rPr lang="en-US" dirty="0" smtClean="0"/>
-              <a:t>Uno (which is used for </a:t>
+              <a:t> Uno (which is used for </a:t>
             </a:r>
             <a:r>
               <a:rPr lang="en-US" dirty="0" err="1" smtClean="0"/>
@@ -3627,7 +3619,6 @@
               <a:rPr lang="en-US" dirty="0" smtClean="0"/>
               <a:t> as well)</a:t>
             </a:r>
-            <a:endParaRPr lang="en-US" dirty="0" smtClean="0"/>
           </a:p>
           <a:p>
             <a:r>
@@ -3668,11 +3659,7 @@
             </a:r>
             <a:r>
               <a:rPr lang="en-US" dirty="0" smtClean="0"/>
-              <a:t> clones, </a:t>
-            </a:r>
-            <a:r>
-              <a:rPr lang="en-US" dirty="0" smtClean="0"/>
-              <a:t>I have experienced problems with programming them from </a:t>
+              <a:t> clones, I have experienced problems with programming them from </a:t>
             </a:r>
             <a:r>
               <a:rPr lang="en-US" dirty="0" err="1" smtClean="0"/>
@@ -3697,7 +3684,6 @@
               <a:rPr lang="en-US" dirty="0" smtClean="0"/>
               <a:t>Releases up to and including 2016-03-18 are OK</a:t>
             </a:r>
-            <a:endParaRPr lang="en-US" dirty="0" smtClean="0"/>
           </a:p>
           <a:p>
             <a:pPr lvl="1"/>
@@ -3721,7 +3707,6 @@
               <a:rPr lang="en-US" dirty="0" smtClean="0"/>
               <a:t> 2016-11-25 it works fine.</a:t>
             </a:r>
-            <a:endParaRPr lang="en-US" dirty="0" smtClean="0"/>
           </a:p>
           <a:p>
             <a:r>
@@ -3792,8 +3777,21 @@
           <a:p>
             <a:r>
               <a:rPr lang="en-US" dirty="0" smtClean="0"/>
-              <a:t>Input / output …</a:t>
-            </a:r>
+              <a:t>Input / output </a:t>
+            </a:r>
+            <a:r>
+              <a:rPr lang="en-US" dirty="0" smtClean="0"/>
+              <a:t>…</a:t>
+            </a:r>
+          </a:p>
+          <a:p>
+            <a:r>
+              <a:rPr lang="en-US" dirty="0" smtClean="0"/>
+              <a:t>USB ports changing …</a:t>
+            </a:r>
+          </a:p>
+          <a:p>
+            <a:endParaRPr lang="en-US" dirty="0" smtClean="0"/>
           </a:p>
           <a:p>
             <a:endParaRPr lang="nl-NL" dirty="0"/>
@@ -4126,11 +4124,7 @@
             </a:r>
             <a:r>
               <a:rPr lang="en-US" dirty="0" smtClean="0"/>
-              <a:t> </a:t>
-            </a:r>
-            <a:r>
-              <a:rPr lang="en-US" dirty="0" smtClean="0"/>
-              <a:t>(Bill of Material) </a:t>
+              <a:t> (Bill of Material) </a:t>
             </a:r>
             <a:endParaRPr lang="nl-NL" dirty="0"/>
           </a:p>
@@ -4264,25 +4258,13 @@
           <a:p>
             <a:r>
               <a:rPr lang="en-US" sz="1800" dirty="0" smtClean="0"/>
-              <a:t>As well control </a:t>
-            </a:r>
+              <a:t>As well control all the GPIO pins on Raspberry Pi.</a:t>
+            </a:r>
+          </a:p>
+          <a:p>
             <a:r>
               <a:rPr lang="en-US" sz="1800" dirty="0" smtClean="0"/>
-              <a:t>all the GPIO pins on Raspberry Pi.</a:t>
-            </a:r>
-          </a:p>
-          <a:p>
-            <a:r>
-              <a:rPr lang="en-US" sz="1800" dirty="0" smtClean="0"/>
-              <a:t>Run on </a:t>
-            </a:r>
-            <a:r>
-              <a:rPr lang="en-US" sz="1800" dirty="0" smtClean="0"/>
-              <a:t>a Windows PC </a:t>
-            </a:r>
-            <a:r>
-              <a:rPr lang="en-US" sz="1800" dirty="0" smtClean="0"/>
-              <a:t>and in combination with </a:t>
+              <a:t>Run on a Windows PC and in combination with </a:t>
             </a:r>
             <a:r>
               <a:rPr lang="en-US" sz="1800" dirty="0" err="1" smtClean="0"/>
@@ -4290,15 +4272,7 @@
             </a:r>
             <a:r>
               <a:rPr lang="en-US" sz="1800" dirty="0" smtClean="0"/>
-              <a:t> provide physical computing to Scratch </a:t>
-            </a:r>
-            <a:r>
-              <a:rPr lang="en-US" sz="1800" dirty="0" smtClean="0"/>
-              <a:t>running </a:t>
-            </a:r>
-            <a:r>
-              <a:rPr lang="en-US" sz="1800" dirty="0" smtClean="0"/>
-              <a:t>on Windows.</a:t>
+              <a:t> provide physical computing to Scratch running on Windows.</a:t>
             </a:r>
           </a:p>
           <a:p>
@@ -4310,11 +4284,7 @@
           <a:p>
             <a:r>
               <a:rPr lang="en-US" sz="1800" dirty="0" smtClean="0"/>
-              <a:t>Watch </a:t>
-            </a:r>
-            <a:r>
-              <a:rPr lang="en-US" sz="1800" dirty="0" smtClean="0"/>
-              <a:t>all the variables in the </a:t>
+              <a:t>Watch all the variables in the </a:t>
             </a:r>
             <a:r>
               <a:rPr lang="en-US" sz="1800" dirty="0" err="1" smtClean="0"/>
@@ -4322,15 +4292,7 @@
             </a:r>
             <a:r>
               <a:rPr lang="en-US" sz="1800" dirty="0" smtClean="0"/>
-              <a:t> from a central </a:t>
-            </a:r>
-            <a:r>
-              <a:rPr lang="en-US" sz="1800" dirty="0" smtClean="0"/>
-              <a:t>Windows PC</a:t>
-            </a:r>
-            <a:r>
-              <a:rPr lang="en-US" sz="1800" dirty="0" smtClean="0"/>
-              <a:t>.</a:t>
+              <a:t> from a central Windows PC.</a:t>
             </a:r>
           </a:p>
           <a:p>
@@ -4371,11 +4333,7 @@
             </a:r>
             <a:r>
               <a:rPr lang="en-US" sz="1800" dirty="0" smtClean="0"/>
-              <a:t> and </a:t>
-            </a:r>
-            <a:r>
-              <a:rPr lang="en-US" sz="1800" dirty="0" smtClean="0"/>
-              <a:t>address the right GPIO pins on the correct </a:t>
+              <a:t> and address the right GPIO pins on the correct </a:t>
             </a:r>
             <a:r>
               <a:rPr lang="en-US" sz="1800" dirty="0" err="1" smtClean="0"/>
@@ -4422,17 +4380,8 @@
               <a:rPr lang="en-US" sz="2000" b="1" dirty="0" smtClean="0">
                 <a:sym typeface="Wingdings" pitchFamily="2" charset="2"/>
               </a:rPr>
-              <a:t> is the ideal software to bring physical computing to </a:t>
-            </a:r>
-            <a:r>
-              <a:rPr lang="en-US" sz="2000" b="1" dirty="0" smtClean="0">
-                <a:sym typeface="Wingdings" pitchFamily="2" charset="2"/>
-              </a:rPr>
-              <a:t>Scratch!</a:t>
-            </a:r>
-            <a:endParaRPr lang="en-US" sz="2000" b="1" dirty="0" smtClean="0">
-              <a:sym typeface="Wingdings" pitchFamily="2" charset="2"/>
-            </a:endParaRPr>
+              <a:t> is the ideal software to bring physical computing to Scratch!</a:t>
+            </a:r>
           </a:p>
         </p:txBody>
       </p:sp>
@@ -4546,11 +4495,7 @@
             <a:pPr lvl="1"/>
             <a:r>
               <a:rPr lang="en-US" b="1" dirty="0" smtClean="0"/>
-              <a:t>Registration </a:t>
-            </a:r>
-            <a:r>
-              <a:rPr lang="en-US" b="1" dirty="0" smtClean="0"/>
-              <a:t>mandatory </a:t>
+              <a:t>Registration mandatory </a:t>
             </a:r>
             <a:r>
               <a:rPr lang="en-US" dirty="0" smtClean="0"/>
@@ -4569,11 +4514,7 @@
             <a:pPr lvl="1"/>
             <a:r>
               <a:rPr lang="en-US" dirty="0" smtClean="0"/>
-              <a:t>Hurry up, because the amount of places is </a:t>
-            </a:r>
-            <a:r>
-              <a:rPr lang="en-US" dirty="0" smtClean="0"/>
-              <a:t>limited</a:t>
+              <a:t>Hurry up, because the amount of places is limited</a:t>
             </a:r>
           </a:p>
           <a:p>
@@ -4712,21 +4653,8 @@
           <a:p>
             <a:r>
               <a:rPr lang="en-US" dirty="0" smtClean="0"/>
-              <a:t>This </a:t>
-            </a:r>
-            <a:r>
-              <a:rPr lang="en-US" dirty="0" smtClean="0"/>
-              <a:t>presentation, source </a:t>
-            </a:r>
-            <a:r>
-              <a:rPr lang="en-US" dirty="0" smtClean="0"/>
-              <a:t>files of the </a:t>
-            </a:r>
-            <a:r>
-              <a:rPr lang="en-US" dirty="0" smtClean="0"/>
-              <a:t>game and workshop material</a:t>
-            </a:r>
-            <a:endParaRPr lang="en-US" dirty="0" smtClean="0"/>
+              <a:t>This presentation, source files of the game and workshop material</a:t>
+            </a:r>
           </a:p>
           <a:p>
             <a:pPr lvl="1"/>
@@ -5455,15 +5383,7 @@
             </a:br>
             <a:r>
               <a:rPr lang="en-US" sz="600" dirty="0" smtClean="0"/>
-              <a:t>58</a:t>
-            </a:r>
-            <a:r>
-              <a:rPr lang="en-US" sz="600" dirty="0" smtClean="0"/>
-              <a:t> </a:t>
-            </a:r>
-            <a:r>
-              <a:rPr lang="en-US" sz="600" dirty="0" smtClean="0"/>
-              <a:t>students</a:t>
+              <a:t>58 students</a:t>
             </a:r>
             <a:endParaRPr lang="nl-NL" sz="600" dirty="0"/>
           </a:p>
@@ -5969,13 +5889,8 @@
             </a:r>
             <a:r>
               <a:rPr lang="en-US" sz="1200" dirty="0" smtClean="0"/>
-              <a:t> in </a:t>
-            </a:r>
-            <a:r>
-              <a:rPr lang="en-US" sz="1200" dirty="0" smtClean="0"/>
-              <a:t>2009</a:t>
-            </a:r>
-            <a:endParaRPr lang="en-US" sz="1200" dirty="0" smtClean="0"/>
+              <a:t> in 2009</a:t>
+            </a:r>
           </a:p>
           <a:p>
             <a:r>
@@ -6294,20 +6209,6 @@
               </a:rPr>
               <a:t>Politics</a:t>
             </a:r>
-            <a:endParaRPr kumimoji="0" lang="en-US" sz="1200" b="0" i="0" u="none" strike="noStrike" kern="1200" cap="none" spc="0" normalizeH="0" baseline="0" noProof="0" dirty="0" smtClean="0">
-              <a:ln>
-                <a:noFill/>
-              </a:ln>
-              <a:solidFill>
-                <a:schemeClr val="tx1"/>
-              </a:solidFill>
-              <a:effectLst/>
-              <a:uLnTx/>
-              <a:uFillTx/>
-              <a:latin typeface="+mn-lt"/>
-              <a:ea typeface="+mn-ea"/>
-              <a:cs typeface="+mn-cs"/>
-            </a:endParaRPr>
           </a:p>
         </p:txBody>
       </p:sp>
@@ -6471,7 +6372,6 @@
               <a:rPr lang="en-US" sz="1200" baseline="0" dirty="0" smtClean="0"/>
               <a:t>Safety</a:t>
             </a:r>
-            <a:endParaRPr lang="en-US" sz="1200" baseline="0" dirty="0" smtClean="0"/>
           </a:p>
           <a:p>
             <a:pPr marL="179388" marR="0" lvl="0" indent="-179388" algn="l" defTabSz="914400" rtl="0" eaLnBrk="1" fontAlgn="auto" latinLnBrk="0" hangingPunct="1">
@@ -6633,20 +6533,6 @@
               </a:rPr>
               <a:t>Mathematics</a:t>
             </a:r>
-            <a:endParaRPr kumimoji="0" lang="en-US" sz="1200" b="0" i="0" u="none" strike="noStrike" kern="1200" cap="none" spc="0" normalizeH="0" baseline="0" noProof="0" dirty="0" smtClean="0">
-              <a:ln>
-                <a:noFill/>
-              </a:ln>
-              <a:solidFill>
-                <a:srgbClr val="FF0000"/>
-              </a:solidFill>
-              <a:effectLst/>
-              <a:uLnTx/>
-              <a:uFillTx/>
-              <a:latin typeface="+mn-lt"/>
-              <a:ea typeface="+mn-ea"/>
-              <a:cs typeface="+mn-cs"/>
-            </a:endParaRPr>
           </a:p>
           <a:p>
             <a:pPr marL="179388" marR="0" lvl="0" indent="-179388" algn="l" defTabSz="914400" rtl="0" eaLnBrk="1" fontAlgn="auto" latinLnBrk="0" hangingPunct="1">
@@ -6834,39 +6720,8 @@
                 <a:ea typeface="+mn-ea"/>
                 <a:cs typeface="+mn-cs"/>
               </a:rPr>
-              <a:t> &amp; </a:t>
-            </a:r>
-            <a:r>
-              <a:rPr kumimoji="0" lang="en-US" sz="1200" b="0" i="0" u="none" strike="noStrike" kern="1200" cap="none" spc="0" normalizeH="0" noProof="0" dirty="0" smtClean="0">
-                <a:ln>
-                  <a:noFill/>
-                </a:ln>
-                <a:solidFill>
-                  <a:schemeClr val="tx1"/>
-                </a:solidFill>
-                <a:effectLst/>
-                <a:uLnTx/>
-                <a:uFillTx/>
-                <a:latin typeface="+mn-lt"/>
-                <a:ea typeface="+mn-ea"/>
-                <a:cs typeface="+mn-cs"/>
-              </a:rPr>
-              <a:t>Poetry</a:t>
-            </a:r>
-            <a:endParaRPr kumimoji="0" lang="en-US" sz="1200" b="0" i="0" u="none" strike="noStrike" kern="1200" cap="none" spc="0" normalizeH="0" noProof="0" dirty="0" smtClean="0">
-              <a:ln>
-                <a:noFill/>
-              </a:ln>
-              <a:solidFill>
-                <a:schemeClr val="tx1"/>
-              </a:solidFill>
-              <a:effectLst/>
-              <a:uLnTx/>
-              <a:uFillTx/>
-              <a:latin typeface="+mn-lt"/>
-              <a:ea typeface="+mn-ea"/>
-              <a:cs typeface="+mn-cs"/>
-            </a:endParaRPr>
+              <a:t> &amp; Poetry</a:t>
+            </a:r>
           </a:p>
         </p:txBody>
       </p:sp>

--- a/PiAndMore/Part-0--Presentation/A lesson of physical Computing with Scratch.pptx
+++ b/PiAndMore/Part-0--Presentation/A lesson of physical Computing with Scratch.pptx
@@ -3777,11 +3777,7 @@
           <a:p>
             <a:r>
               <a:rPr lang="en-US" dirty="0" smtClean="0"/>
-              <a:t>Input / output </a:t>
-            </a:r>
-            <a:r>
-              <a:rPr lang="en-US" dirty="0" smtClean="0"/>
-              <a:t>…</a:t>
+              <a:t>Input / output …</a:t>
             </a:r>
           </a:p>
           <a:p>
@@ -6983,13 +6979,13 @@
         </p:nvSpPr>
         <p:spPr>
           <a:xfrm>
-            <a:off x="467544" y="1203598"/>
-            <a:ext cx="2674640" cy="3391024"/>
+            <a:off x="467544" y="987574"/>
+            <a:ext cx="2674640" cy="3607048"/>
           </a:xfrm>
         </p:spPr>
         <p:txBody>
           <a:bodyPr>
-            <a:normAutofit fontScale="55000" lnSpcReduction="20000"/>
+            <a:noAutofit/>
           </a:bodyPr>
           <a:lstStyle/>
           <a:p>
@@ -6997,7 +6993,7 @@
               <a:buNone/>
             </a:pPr>
             <a:r>
-              <a:rPr lang="en-US" dirty="0" smtClean="0"/>
+              <a:rPr lang="en-US" sz="1400" b="1" dirty="0" smtClean="0"/>
               <a:t>Lesson 1</a:t>
             </a:r>
           </a:p>
@@ -7005,74 +7001,74 @@
             <a:pPr>
               <a:buNone/>
             </a:pPr>
-            <a:endParaRPr lang="en-US" dirty="0" smtClean="0"/>
+            <a:endParaRPr lang="en-US" sz="1400" dirty="0" smtClean="0"/>
           </a:p>
           <a:p>
             <a:pPr>
               <a:buNone/>
             </a:pPr>
-            <a:endParaRPr lang="en-US" dirty="0" smtClean="0"/>
+            <a:endParaRPr lang="en-US" sz="1400" dirty="0" smtClean="0"/>
           </a:p>
           <a:p>
             <a:pPr>
               <a:buNone/>
             </a:pPr>
-            <a:endParaRPr lang="en-US" dirty="0" smtClean="0"/>
+            <a:endParaRPr lang="en-US" sz="1400" dirty="0" smtClean="0"/>
           </a:p>
           <a:p>
             <a:pPr>
               <a:buNone/>
             </a:pPr>
-            <a:endParaRPr lang="en-US" dirty="0" smtClean="0"/>
+            <a:endParaRPr lang="en-US" sz="1400" dirty="0" smtClean="0"/>
           </a:p>
           <a:p>
             <a:pPr>
               <a:buNone/>
             </a:pPr>
-            <a:endParaRPr lang="en-US" dirty="0" smtClean="0"/>
+            <a:endParaRPr lang="en-US" sz="1400" dirty="0" smtClean="0"/>
           </a:p>
           <a:p>
             <a:pPr>
               <a:buNone/>
             </a:pPr>
-            <a:endParaRPr lang="en-US" dirty="0" smtClean="0"/>
+            <a:endParaRPr lang="en-US" sz="1400" dirty="0" smtClean="0"/>
           </a:p>
           <a:p>
             <a:pPr>
               <a:buNone/>
             </a:pPr>
-            <a:endParaRPr lang="en-US" dirty="0" smtClean="0"/>
+            <a:endParaRPr lang="en-US" sz="1400" dirty="0" smtClean="0"/>
           </a:p>
           <a:p>
             <a:pPr>
               <a:buNone/>
             </a:pPr>
-            <a:endParaRPr lang="en-US" dirty="0" smtClean="0"/>
+            <a:endParaRPr lang="en-US" sz="1400" dirty="0" smtClean="0"/>
           </a:p>
           <a:p>
             <a:pPr>
               <a:buNone/>
             </a:pPr>
-            <a:endParaRPr lang="en-US" dirty="0" smtClean="0"/>
+            <a:endParaRPr lang="en-US" sz="1400" dirty="0" smtClean="0"/>
           </a:p>
           <a:p>
             <a:pPr>
               <a:buNone/>
             </a:pPr>
-            <a:endParaRPr lang="en-US" dirty="0" smtClean="0"/>
-          </a:p>
-          <a:p>
-            <a:r>
-              <a:rPr lang="en-US" dirty="0" smtClean="0"/>
+            <a:endParaRPr lang="en-US" sz="1400" dirty="0" smtClean="0"/>
+          </a:p>
+          <a:p>
+            <a:r>
+              <a:rPr lang="en-US" sz="1200" dirty="0" smtClean="0"/>
               <a:t>Program a game in Scratch, output on monitor. </a:t>
             </a:r>
           </a:p>
           <a:p>
             <a:r>
-              <a:rPr lang="en-US" dirty="0" smtClean="0"/>
+              <a:rPr lang="en-US" sz="1200" dirty="0" smtClean="0"/>
               <a:t>1 helper per 8 students.</a:t>
             </a:r>
-            <a:endParaRPr lang="nl-NL" dirty="0"/>
+            <a:endParaRPr lang="nl-NL" sz="1200" dirty="0"/>
           </a:p>
         </p:txBody>
       </p:sp>
@@ -7088,13 +7084,13 @@
         </p:nvSpPr>
         <p:spPr>
           <a:xfrm>
-            <a:off x="6012160" y="1203598"/>
-            <a:ext cx="2674640" cy="3394472"/>
+            <a:off x="6012160" y="987574"/>
+            <a:ext cx="2674640" cy="3672408"/>
           </a:xfrm>
         </p:spPr>
         <p:txBody>
           <a:bodyPr>
-            <a:normAutofit fontScale="55000" lnSpcReduction="20000"/>
+            <a:normAutofit fontScale="32500" lnSpcReduction="20000"/>
           </a:bodyPr>
           <a:lstStyle/>
           <a:p>
@@ -7102,7 +7098,7 @@
               <a:buNone/>
             </a:pPr>
             <a:r>
-              <a:rPr lang="en-US" dirty="0" smtClean="0"/>
+              <a:rPr lang="en-US" sz="4300" b="1" dirty="0" smtClean="0"/>
               <a:t>Lesson 3</a:t>
             </a:r>
           </a:p>
@@ -7113,39 +7109,161 @@
             <a:endParaRPr lang="en-US" dirty="0" smtClean="0"/>
           </a:p>
           <a:p>
-            <a:r>
-              <a:rPr lang="en-US" sz="1800" dirty="0" smtClean="0"/>
-              <a:t>program an </a:t>
-            </a:r>
-            <a:r>
-              <a:rPr lang="en-US" sz="1800" dirty="0" err="1" smtClean="0"/>
+            <a:pPr>
+              <a:buNone/>
+            </a:pPr>
+            <a:endParaRPr lang="en-US" dirty="0" smtClean="0"/>
+          </a:p>
+          <a:p>
+            <a:pPr>
+              <a:buNone/>
+            </a:pPr>
+            <a:endParaRPr lang="en-US" dirty="0" smtClean="0"/>
+          </a:p>
+          <a:p>
+            <a:pPr>
+              <a:buNone/>
+            </a:pPr>
+            <a:endParaRPr lang="en-US" dirty="0" smtClean="0"/>
+          </a:p>
+          <a:p>
+            <a:pPr>
+              <a:buNone/>
+            </a:pPr>
+            <a:endParaRPr lang="en-US" dirty="0" smtClean="0"/>
+          </a:p>
+          <a:p>
+            <a:pPr>
+              <a:buNone/>
+            </a:pPr>
+            <a:endParaRPr lang="en-US" dirty="0" smtClean="0"/>
+          </a:p>
+          <a:p>
+            <a:pPr>
+              <a:buNone/>
+            </a:pPr>
+            <a:endParaRPr lang="en-US" dirty="0" smtClean="0"/>
+          </a:p>
+          <a:p>
+            <a:pPr>
+              <a:buNone/>
+            </a:pPr>
+            <a:endParaRPr lang="en-US" dirty="0" smtClean="0"/>
+          </a:p>
+          <a:p>
+            <a:pPr>
+              <a:buNone/>
+            </a:pPr>
+            <a:endParaRPr lang="en-US" dirty="0" smtClean="0"/>
+          </a:p>
+          <a:p>
+            <a:pPr>
+              <a:buNone/>
+            </a:pPr>
+            <a:endParaRPr lang="en-US" dirty="0" smtClean="0"/>
+          </a:p>
+          <a:p>
+            <a:pPr>
+              <a:buNone/>
+            </a:pPr>
+            <a:endParaRPr lang="en-US" dirty="0" smtClean="0"/>
+          </a:p>
+          <a:p>
+            <a:pPr>
+              <a:buNone/>
+            </a:pPr>
+            <a:endParaRPr lang="en-US" dirty="0" smtClean="0"/>
+          </a:p>
+          <a:p>
+            <a:pPr>
+              <a:buNone/>
+            </a:pPr>
+            <a:endParaRPr lang="en-US" dirty="0" smtClean="0"/>
+          </a:p>
+          <a:p>
+            <a:pPr>
+              <a:buNone/>
+            </a:pPr>
+            <a:endParaRPr lang="en-US" dirty="0" smtClean="0"/>
+          </a:p>
+          <a:p>
+            <a:pPr>
+              <a:buNone/>
+            </a:pPr>
+            <a:endParaRPr lang="en-US" dirty="0" smtClean="0"/>
+          </a:p>
+          <a:p>
+            <a:pPr>
+              <a:buNone/>
+            </a:pPr>
+            <a:endParaRPr lang="en-US" dirty="0" smtClean="0"/>
+          </a:p>
+          <a:p>
+            <a:pPr>
+              <a:buNone/>
+            </a:pPr>
+            <a:endParaRPr lang="en-US" dirty="0" smtClean="0"/>
+          </a:p>
+          <a:p>
+            <a:pPr>
+              <a:buNone/>
+            </a:pPr>
+            <a:endParaRPr lang="en-US" dirty="0" smtClean="0"/>
+          </a:p>
+          <a:p>
+            <a:pPr>
+              <a:buNone/>
+            </a:pPr>
+            <a:endParaRPr lang="en-US" dirty="0" smtClean="0"/>
+          </a:p>
+          <a:p>
+            <a:pPr>
+              <a:buNone/>
+            </a:pPr>
+            <a:endParaRPr lang="en-US" dirty="0" smtClean="0"/>
+          </a:p>
+          <a:p>
+            <a:r>
+              <a:rPr lang="en-US" sz="3400" dirty="0" smtClean="0"/>
+              <a:t>P</a:t>
+            </a:r>
+            <a:r>
+              <a:rPr lang="en-US" sz="3400" dirty="0" smtClean="0"/>
+              <a:t>rogram </a:t>
+            </a:r>
+            <a:r>
+              <a:rPr lang="en-US" sz="3400" dirty="0" smtClean="0"/>
+              <a:t>an </a:t>
+            </a:r>
+            <a:r>
+              <a:rPr lang="en-US" sz="3400" dirty="0" err="1" smtClean="0"/>
               <a:t>Arduino</a:t>
             </a:r>
             <a:r>
-              <a:rPr lang="en-US" sz="1800" dirty="0" smtClean="0"/>
+              <a:rPr lang="en-US" sz="3400" dirty="0" smtClean="0"/>
               <a:t> </a:t>
             </a:r>
             <a:r>
-              <a:rPr lang="en-US" sz="1800" dirty="0" err="1" smtClean="0"/>
+              <a:rPr lang="en-US" sz="3400" dirty="0" err="1" smtClean="0"/>
               <a:t>Nano</a:t>
             </a:r>
             <a:r>
-              <a:rPr lang="en-US" sz="1800" dirty="0" smtClean="0"/>
+              <a:rPr lang="en-US" sz="3400" dirty="0" smtClean="0"/>
               <a:t> from </a:t>
             </a:r>
             <a:r>
-              <a:rPr lang="en-US" sz="1800" dirty="0" err="1" smtClean="0"/>
+              <a:rPr lang="en-US" sz="3400" dirty="0" err="1" smtClean="0"/>
               <a:t>Rpi</a:t>
             </a:r>
             <a:r>
-              <a:rPr lang="en-US" sz="1800" dirty="0" smtClean="0"/>
+              <a:rPr lang="en-US" sz="3400" dirty="0" smtClean="0"/>
               <a:t>. Complete the electronic circuit of a game to be able to take home. 1 helper per 2 students.</a:t>
             </a:r>
           </a:p>
           <a:p>
             <a:pPr lvl="1"/>
             <a:r>
-              <a:rPr lang="en-US" sz="1400" dirty="0" smtClean="0"/>
+              <a:rPr lang="en-US" sz="1700" dirty="0" smtClean="0"/>
               <a:t>Could also be done in 2 lessons.</a:t>
             </a:r>
           </a:p>
@@ -7198,8 +7316,8 @@
         </p:blipFill>
         <p:spPr bwMode="auto">
           <a:xfrm>
-            <a:off x="539552" y="1563638"/>
-            <a:ext cx="2268438" cy="2160239"/>
+            <a:off x="539552" y="1275607"/>
+            <a:ext cx="2570898" cy="2448272"/>
           </a:xfrm>
           <a:prstGeom prst="rect">
             <a:avLst/>
@@ -7281,8 +7399,8 @@
         </p:nvSpPr>
         <p:spPr>
           <a:xfrm>
-            <a:off x="3203848" y="1203598"/>
-            <a:ext cx="2674640" cy="3394472"/>
+            <a:off x="3203848" y="987574"/>
+            <a:ext cx="2674640" cy="3672408"/>
           </a:xfrm>
           <a:prstGeom prst="rect">
             <a:avLst/>
@@ -7290,7 +7408,7 @@
         </p:spPr>
         <p:txBody>
           <a:bodyPr vert="horz" lIns="91440" tIns="45720" rIns="91440" bIns="45720" rtlCol="0">
-            <a:normAutofit/>
+            <a:normAutofit fontScale="85000" lnSpcReduction="20000"/>
           </a:bodyPr>
           <a:lstStyle/>
           <a:p>
@@ -7310,7 +7428,7 @@
               <a:defRPr/>
             </a:pPr>
             <a:r>
-              <a:rPr kumimoji="0" lang="en-US" sz="2800" b="0" i="0" u="none" strike="noStrike" kern="1200" cap="none" spc="0" normalizeH="0" baseline="0" noProof="0" dirty="0" smtClean="0">
+              <a:rPr kumimoji="0" lang="en-US" sz="1500" b="1" i="0" u="none" strike="noStrike" kern="1200" cap="none" spc="0" normalizeH="0" baseline="0" noProof="0" dirty="0" smtClean="0">
                 <a:ln>
                   <a:noFill/>
                 </a:ln>
@@ -7324,20 +7442,24 @@
                 <a:ea typeface="+mn-ea"/>
                 <a:cs typeface="+mn-cs"/>
               </a:rPr>
-              <a:t>Lesson 2</a:t>
-            </a:r>
-          </a:p>
-          <a:p>
-            <a:r>
-              <a:rPr lang="en-US" dirty="0" smtClean="0"/>
-              <a:t>physical computing controlled from Scratch. 1 helper per 4 students.</a:t>
-            </a:r>
-          </a:p>
-          <a:p>
-            <a:pPr lvl="1"/>
-            <a:r>
-              <a:rPr lang="en-US" sz="1400" dirty="0" smtClean="0"/>
-              <a:t>Could also be done in 2 lessons.</a:t>
+              <a:t>Lesson </a:t>
+            </a:r>
+            <a:r>
+              <a:rPr kumimoji="0" lang="en-US" sz="1500" b="1" i="0" u="none" strike="noStrike" kern="1200" cap="none" spc="0" normalizeH="0" baseline="0" noProof="0" dirty="0" smtClean="0">
+                <a:ln>
+                  <a:noFill/>
+                </a:ln>
+                <a:solidFill>
+                  <a:schemeClr val="tx1"/>
+                </a:solidFill>
+                <a:effectLst/>
+                <a:uLnTx/>
+                <a:uFillTx/>
+                <a:latin typeface="+mn-lt"/>
+                <a:ea typeface="+mn-ea"/>
+                <a:cs typeface="+mn-cs"/>
+              </a:rPr>
+              <a:t>2</a:t>
             </a:r>
           </a:p>
           <a:p>
@@ -7356,7 +7478,470 @@
               <a:tabLst/>
               <a:defRPr/>
             </a:pPr>
-            <a:endParaRPr kumimoji="0" lang="nl-NL" sz="2800" b="0" i="0" u="none" strike="noStrike" kern="1200" cap="none" spc="0" normalizeH="0" baseline="0" noProof="0" dirty="0">
+            <a:endParaRPr lang="en-US" sz="1300" dirty="0" smtClean="0"/>
+          </a:p>
+          <a:p>
+            <a:pPr marL="179388" marR="0" lvl="0" indent="-179388" algn="l" defTabSz="914400" rtl="0" eaLnBrk="1" fontAlgn="auto" latinLnBrk="0" hangingPunct="1">
+              <a:lnSpc>
+                <a:spcPct val="100000"/>
+              </a:lnSpc>
+              <a:spcBef>
+                <a:spcPct val="20000"/>
+              </a:spcBef>
+              <a:spcAft>
+                <a:spcPts val="0"/>
+              </a:spcAft>
+              <a:buClrTx/>
+              <a:buSzTx/>
+              <a:tabLst/>
+              <a:defRPr/>
+            </a:pPr>
+            <a:endParaRPr kumimoji="0" lang="en-US" sz="1300" b="0" i="0" u="none" strike="noStrike" kern="1200" cap="none" spc="0" normalizeH="0" baseline="0" noProof="0" dirty="0" smtClean="0">
+              <a:ln>
+                <a:noFill/>
+              </a:ln>
+              <a:solidFill>
+                <a:schemeClr val="tx1"/>
+              </a:solidFill>
+              <a:effectLst/>
+              <a:uLnTx/>
+              <a:uFillTx/>
+              <a:latin typeface="+mn-lt"/>
+              <a:ea typeface="+mn-ea"/>
+              <a:cs typeface="+mn-cs"/>
+            </a:endParaRPr>
+          </a:p>
+          <a:p>
+            <a:pPr marL="179388" marR="0" lvl="0" indent="-179388" algn="l" defTabSz="914400" rtl="0" eaLnBrk="1" fontAlgn="auto" latinLnBrk="0" hangingPunct="1">
+              <a:lnSpc>
+                <a:spcPct val="100000"/>
+              </a:lnSpc>
+              <a:spcBef>
+                <a:spcPct val="20000"/>
+              </a:spcBef>
+              <a:spcAft>
+                <a:spcPts val="0"/>
+              </a:spcAft>
+              <a:buClrTx/>
+              <a:buSzTx/>
+              <a:tabLst/>
+              <a:defRPr/>
+            </a:pPr>
+            <a:endParaRPr lang="en-US" sz="1200" dirty="0" smtClean="0"/>
+          </a:p>
+          <a:p>
+            <a:pPr marL="179388" marR="0" lvl="0" indent="-179388" algn="l" defTabSz="914400" rtl="0" eaLnBrk="1" fontAlgn="auto" latinLnBrk="0" hangingPunct="1">
+              <a:lnSpc>
+                <a:spcPct val="100000"/>
+              </a:lnSpc>
+              <a:spcBef>
+                <a:spcPct val="20000"/>
+              </a:spcBef>
+              <a:spcAft>
+                <a:spcPts val="0"/>
+              </a:spcAft>
+              <a:buClrTx/>
+              <a:buSzTx/>
+              <a:tabLst/>
+              <a:defRPr/>
+            </a:pPr>
+            <a:endParaRPr kumimoji="0" lang="en-US" sz="1200" b="0" i="0" u="none" strike="noStrike" kern="1200" cap="none" spc="0" normalizeH="0" baseline="0" noProof="0" dirty="0" smtClean="0">
+              <a:ln>
+                <a:noFill/>
+              </a:ln>
+              <a:solidFill>
+                <a:schemeClr val="tx1"/>
+              </a:solidFill>
+              <a:effectLst/>
+              <a:uLnTx/>
+              <a:uFillTx/>
+              <a:latin typeface="+mn-lt"/>
+              <a:ea typeface="+mn-ea"/>
+              <a:cs typeface="+mn-cs"/>
+            </a:endParaRPr>
+          </a:p>
+          <a:p>
+            <a:pPr marL="179388" marR="0" lvl="0" indent="-179388" algn="l" defTabSz="914400" rtl="0" eaLnBrk="1" fontAlgn="auto" latinLnBrk="0" hangingPunct="1">
+              <a:lnSpc>
+                <a:spcPct val="100000"/>
+              </a:lnSpc>
+              <a:spcBef>
+                <a:spcPct val="20000"/>
+              </a:spcBef>
+              <a:spcAft>
+                <a:spcPts val="0"/>
+              </a:spcAft>
+              <a:buClrTx/>
+              <a:buSzTx/>
+              <a:tabLst/>
+              <a:defRPr/>
+            </a:pPr>
+            <a:endParaRPr kumimoji="0" lang="en-US" sz="1200" b="0" i="0" u="none" strike="noStrike" kern="1200" cap="none" spc="0" normalizeH="0" baseline="0" noProof="0" dirty="0" smtClean="0">
+              <a:ln>
+                <a:noFill/>
+              </a:ln>
+              <a:solidFill>
+                <a:schemeClr val="tx1"/>
+              </a:solidFill>
+              <a:effectLst/>
+              <a:uLnTx/>
+              <a:uFillTx/>
+              <a:latin typeface="+mn-lt"/>
+              <a:ea typeface="+mn-ea"/>
+              <a:cs typeface="+mn-cs"/>
+            </a:endParaRPr>
+          </a:p>
+          <a:p>
+            <a:pPr marL="179388" marR="0" lvl="0" indent="-179388" algn="l" defTabSz="914400" rtl="0" eaLnBrk="1" fontAlgn="auto" latinLnBrk="0" hangingPunct="1">
+              <a:lnSpc>
+                <a:spcPct val="100000"/>
+              </a:lnSpc>
+              <a:spcBef>
+                <a:spcPct val="20000"/>
+              </a:spcBef>
+              <a:spcAft>
+                <a:spcPts val="0"/>
+              </a:spcAft>
+              <a:buClrTx/>
+              <a:buSzTx/>
+              <a:tabLst/>
+              <a:defRPr/>
+            </a:pPr>
+            <a:endParaRPr lang="en-US" sz="1200" dirty="0" smtClean="0"/>
+          </a:p>
+          <a:p>
+            <a:pPr marL="179388" marR="0" lvl="0" indent="-179388" algn="l" defTabSz="914400" rtl="0" eaLnBrk="1" fontAlgn="auto" latinLnBrk="0" hangingPunct="1">
+              <a:lnSpc>
+                <a:spcPct val="100000"/>
+              </a:lnSpc>
+              <a:spcBef>
+                <a:spcPct val="20000"/>
+              </a:spcBef>
+              <a:spcAft>
+                <a:spcPts val="0"/>
+              </a:spcAft>
+              <a:buClrTx/>
+              <a:buSzTx/>
+              <a:tabLst/>
+              <a:defRPr/>
+            </a:pPr>
+            <a:endParaRPr kumimoji="0" lang="en-US" sz="1200" b="0" i="0" u="none" strike="noStrike" kern="1200" cap="none" spc="0" normalizeH="0" baseline="0" noProof="0" dirty="0" smtClean="0">
+              <a:ln>
+                <a:noFill/>
+              </a:ln>
+              <a:solidFill>
+                <a:schemeClr val="tx1"/>
+              </a:solidFill>
+              <a:effectLst/>
+              <a:uLnTx/>
+              <a:uFillTx/>
+              <a:latin typeface="+mn-lt"/>
+              <a:ea typeface="+mn-ea"/>
+              <a:cs typeface="+mn-cs"/>
+            </a:endParaRPr>
+          </a:p>
+          <a:p>
+            <a:pPr marL="179388" marR="0" lvl="0" indent="-179388" algn="l" defTabSz="914400" rtl="0" eaLnBrk="1" fontAlgn="auto" latinLnBrk="0" hangingPunct="1">
+              <a:lnSpc>
+                <a:spcPct val="100000"/>
+              </a:lnSpc>
+              <a:spcBef>
+                <a:spcPct val="20000"/>
+              </a:spcBef>
+              <a:spcAft>
+                <a:spcPts val="0"/>
+              </a:spcAft>
+              <a:buClrTx/>
+              <a:buSzTx/>
+              <a:tabLst/>
+              <a:defRPr/>
+            </a:pPr>
+            <a:endParaRPr lang="en-US" sz="1200" dirty="0" smtClean="0"/>
+          </a:p>
+          <a:p>
+            <a:pPr marL="179388" marR="0" lvl="0" indent="-179388" algn="l" defTabSz="914400" rtl="0" eaLnBrk="1" fontAlgn="auto" latinLnBrk="0" hangingPunct="1">
+              <a:lnSpc>
+                <a:spcPct val="100000"/>
+              </a:lnSpc>
+              <a:spcBef>
+                <a:spcPct val="20000"/>
+              </a:spcBef>
+              <a:spcAft>
+                <a:spcPts val="0"/>
+              </a:spcAft>
+              <a:buClrTx/>
+              <a:buSzTx/>
+              <a:tabLst/>
+              <a:defRPr/>
+            </a:pPr>
+            <a:endParaRPr kumimoji="0" lang="en-US" sz="1200" b="0" i="0" u="none" strike="noStrike" kern="1200" cap="none" spc="0" normalizeH="0" baseline="0" noProof="0" dirty="0" smtClean="0">
+              <a:ln>
+                <a:noFill/>
+              </a:ln>
+              <a:solidFill>
+                <a:schemeClr val="tx1"/>
+              </a:solidFill>
+              <a:effectLst/>
+              <a:uLnTx/>
+              <a:uFillTx/>
+              <a:latin typeface="+mn-lt"/>
+              <a:ea typeface="+mn-ea"/>
+              <a:cs typeface="+mn-cs"/>
+            </a:endParaRPr>
+          </a:p>
+          <a:p>
+            <a:pPr marL="179388" marR="0" lvl="0" indent="-179388" algn="l" defTabSz="914400" rtl="0" eaLnBrk="1" fontAlgn="auto" latinLnBrk="0" hangingPunct="1">
+              <a:lnSpc>
+                <a:spcPct val="100000"/>
+              </a:lnSpc>
+              <a:spcBef>
+                <a:spcPct val="20000"/>
+              </a:spcBef>
+              <a:spcAft>
+                <a:spcPts val="0"/>
+              </a:spcAft>
+              <a:buClrTx/>
+              <a:buSzTx/>
+              <a:tabLst/>
+              <a:defRPr/>
+            </a:pPr>
+            <a:endParaRPr lang="en-US" sz="1200" dirty="0" smtClean="0"/>
+          </a:p>
+          <a:p>
+            <a:pPr marL="179388" marR="0" lvl="0" indent="-179388" algn="l" defTabSz="914400" rtl="0" eaLnBrk="1" fontAlgn="auto" latinLnBrk="0" hangingPunct="1">
+              <a:lnSpc>
+                <a:spcPct val="100000"/>
+              </a:lnSpc>
+              <a:spcBef>
+                <a:spcPct val="20000"/>
+              </a:spcBef>
+              <a:spcAft>
+                <a:spcPts val="0"/>
+              </a:spcAft>
+              <a:buClrTx/>
+              <a:buSzTx/>
+              <a:tabLst/>
+              <a:defRPr/>
+            </a:pPr>
+            <a:endParaRPr kumimoji="0" lang="en-US" sz="1200" b="0" i="0" u="none" strike="noStrike" kern="1200" cap="none" spc="0" normalizeH="0" baseline="0" noProof="0" dirty="0" smtClean="0">
+              <a:ln>
+                <a:noFill/>
+              </a:ln>
+              <a:solidFill>
+                <a:schemeClr val="tx1"/>
+              </a:solidFill>
+              <a:effectLst/>
+              <a:uLnTx/>
+              <a:uFillTx/>
+              <a:latin typeface="+mn-lt"/>
+              <a:ea typeface="+mn-ea"/>
+              <a:cs typeface="+mn-cs"/>
+            </a:endParaRPr>
+          </a:p>
+          <a:p>
+            <a:pPr marL="179388" marR="0" lvl="0" indent="-179388" algn="l" defTabSz="914400" rtl="0" eaLnBrk="1" fontAlgn="auto" latinLnBrk="0" hangingPunct="1">
+              <a:lnSpc>
+                <a:spcPct val="100000"/>
+              </a:lnSpc>
+              <a:spcBef>
+                <a:spcPct val="20000"/>
+              </a:spcBef>
+              <a:spcAft>
+                <a:spcPts val="0"/>
+              </a:spcAft>
+              <a:buClrTx/>
+              <a:buSzTx/>
+              <a:tabLst/>
+              <a:defRPr/>
+            </a:pPr>
+            <a:endParaRPr lang="en-US" sz="1200" dirty="0" smtClean="0"/>
+          </a:p>
+          <a:p>
+            <a:pPr marL="179388" marR="0" lvl="0" indent="-179388" algn="l" defTabSz="914400" rtl="0" eaLnBrk="1" fontAlgn="auto" latinLnBrk="0" hangingPunct="1">
+              <a:lnSpc>
+                <a:spcPct val="100000"/>
+              </a:lnSpc>
+              <a:spcBef>
+                <a:spcPct val="20000"/>
+              </a:spcBef>
+              <a:spcAft>
+                <a:spcPts val="0"/>
+              </a:spcAft>
+              <a:buClrTx/>
+              <a:buSzTx/>
+              <a:tabLst/>
+              <a:defRPr/>
+            </a:pPr>
+            <a:endParaRPr lang="en-US" sz="1200" dirty="0" smtClean="0"/>
+          </a:p>
+          <a:p>
+            <a:pPr marL="179388" marR="0" lvl="0" indent="-179388" algn="l" defTabSz="914400" rtl="0" eaLnBrk="1" fontAlgn="auto" latinLnBrk="0" hangingPunct="1">
+              <a:lnSpc>
+                <a:spcPct val="100000"/>
+              </a:lnSpc>
+              <a:spcBef>
+                <a:spcPct val="20000"/>
+              </a:spcBef>
+              <a:spcAft>
+                <a:spcPts val="0"/>
+              </a:spcAft>
+              <a:buClrTx/>
+              <a:buSzTx/>
+              <a:tabLst/>
+              <a:defRPr/>
+            </a:pPr>
+            <a:endParaRPr lang="en-US" sz="1200" dirty="0" smtClean="0"/>
+          </a:p>
+          <a:p>
+            <a:pPr marL="179388" marR="0" lvl="0" indent="-179388" algn="l" defTabSz="914400" rtl="0" eaLnBrk="1" fontAlgn="auto" latinLnBrk="0" hangingPunct="1">
+              <a:lnSpc>
+                <a:spcPct val="100000"/>
+              </a:lnSpc>
+              <a:spcBef>
+                <a:spcPct val="20000"/>
+              </a:spcBef>
+              <a:spcAft>
+                <a:spcPts val="0"/>
+              </a:spcAft>
+              <a:buClrTx/>
+              <a:buSzTx/>
+              <a:tabLst/>
+              <a:defRPr/>
+            </a:pPr>
+            <a:endParaRPr lang="en-US" sz="1200" dirty="0" smtClean="0"/>
+          </a:p>
+          <a:p>
+            <a:pPr marL="179388" marR="0" lvl="0" indent="-179388" algn="l" defTabSz="914400" rtl="0" eaLnBrk="1" fontAlgn="auto" latinLnBrk="0" hangingPunct="1">
+              <a:lnSpc>
+                <a:spcPct val="100000"/>
+              </a:lnSpc>
+              <a:spcBef>
+                <a:spcPct val="20000"/>
+              </a:spcBef>
+              <a:spcAft>
+                <a:spcPts val="0"/>
+              </a:spcAft>
+              <a:buClrTx/>
+              <a:buSzTx/>
+              <a:tabLst/>
+              <a:defRPr/>
+            </a:pPr>
+            <a:endParaRPr lang="en-US" sz="1200" dirty="0" smtClean="0"/>
+          </a:p>
+          <a:p>
+            <a:pPr marL="179388" marR="0" lvl="0" indent="-179388" algn="l" defTabSz="914400" rtl="0" eaLnBrk="1" fontAlgn="auto" latinLnBrk="0" hangingPunct="1">
+              <a:lnSpc>
+                <a:spcPct val="100000"/>
+              </a:lnSpc>
+              <a:spcBef>
+                <a:spcPct val="20000"/>
+              </a:spcBef>
+              <a:spcAft>
+                <a:spcPts val="0"/>
+              </a:spcAft>
+              <a:buClrTx/>
+              <a:buSzTx/>
+              <a:tabLst/>
+              <a:defRPr/>
+            </a:pPr>
+            <a:endParaRPr lang="en-US" sz="1200" dirty="0" smtClean="0"/>
+          </a:p>
+          <a:p>
+            <a:pPr marL="179388" marR="0" lvl="0" indent="-179388" algn="l" defTabSz="914400" rtl="0" eaLnBrk="1" fontAlgn="auto" latinLnBrk="0" hangingPunct="1">
+              <a:lnSpc>
+                <a:spcPct val="100000"/>
+              </a:lnSpc>
+              <a:spcBef>
+                <a:spcPct val="20000"/>
+              </a:spcBef>
+              <a:spcAft>
+                <a:spcPts val="0"/>
+              </a:spcAft>
+              <a:buClrTx/>
+              <a:buSzTx/>
+              <a:tabLst/>
+              <a:defRPr/>
+            </a:pPr>
+            <a:endParaRPr kumimoji="0" lang="en-US" sz="1200" b="0" i="0" u="none" strike="noStrike" kern="1200" cap="none" spc="0" normalizeH="0" baseline="0" noProof="0" dirty="0" smtClean="0">
+              <a:ln>
+                <a:noFill/>
+              </a:ln>
+              <a:solidFill>
+                <a:schemeClr val="tx1"/>
+              </a:solidFill>
+              <a:effectLst/>
+              <a:uLnTx/>
+              <a:uFillTx/>
+              <a:latin typeface="+mn-lt"/>
+              <a:ea typeface="+mn-ea"/>
+              <a:cs typeface="+mn-cs"/>
+            </a:endParaRPr>
+          </a:p>
+          <a:p>
+            <a:pPr marL="177800" indent="-177800">
+              <a:buFont typeface="Arial" pitchFamily="34" charset="0"/>
+              <a:buChar char="•"/>
+            </a:pPr>
+            <a:r>
+              <a:rPr lang="en-US" sz="1300" dirty="0" smtClean="0"/>
+              <a:t>P</a:t>
+            </a:r>
+            <a:r>
+              <a:rPr lang="en-US" sz="1300" dirty="0" smtClean="0"/>
+              <a:t>hysical </a:t>
+            </a:r>
+            <a:r>
+              <a:rPr lang="en-US" sz="1300" dirty="0" smtClean="0"/>
+              <a:t>computing </a:t>
+            </a:r>
+            <a:r>
+              <a:rPr lang="en-US" sz="1300" dirty="0" smtClean="0"/>
+              <a:t>controlled </a:t>
+            </a:r>
+            <a:r>
+              <a:rPr lang="en-US" sz="1300" dirty="0" smtClean="0"/>
+              <a:t>from Scratch. </a:t>
+            </a:r>
+            <a:endParaRPr lang="en-US" sz="1300" dirty="0" smtClean="0"/>
+          </a:p>
+          <a:p>
+            <a:pPr marL="177800" indent="-177800">
+              <a:buFont typeface="Arial" pitchFamily="34" charset="0"/>
+              <a:buChar char="•"/>
+            </a:pPr>
+            <a:r>
+              <a:rPr lang="en-US" sz="1300" dirty="0" smtClean="0"/>
+              <a:t>1 </a:t>
+            </a:r>
+            <a:r>
+              <a:rPr lang="en-US" sz="1300" dirty="0" smtClean="0"/>
+              <a:t>helper per 4 students.</a:t>
+            </a:r>
+          </a:p>
+          <a:p>
+            <a:pPr lvl="1"/>
+            <a:r>
+              <a:rPr lang="en-US" sz="1200" dirty="0" smtClean="0"/>
+              <a:t>Could also be done in 2 lessons.</a:t>
+            </a:r>
+          </a:p>
+          <a:p>
+            <a:pPr marL="179388" marR="0" lvl="0" indent="-179388" algn="l" defTabSz="914400" rtl="0" eaLnBrk="1" fontAlgn="auto" latinLnBrk="0" hangingPunct="1">
+              <a:lnSpc>
+                <a:spcPct val="100000"/>
+              </a:lnSpc>
+              <a:spcBef>
+                <a:spcPct val="20000"/>
+              </a:spcBef>
+              <a:spcAft>
+                <a:spcPts val="0"/>
+              </a:spcAft>
+              <a:buClrTx/>
+              <a:buSzTx/>
+              <a:tabLst/>
+              <a:defRPr/>
+            </a:pPr>
+            <a:endParaRPr kumimoji="0" lang="nl-NL" sz="1200" b="0" i="0" u="none" strike="noStrike" kern="1200" cap="none" spc="0" normalizeH="0" baseline="0" noProof="0" dirty="0">
               <a:ln>
                 <a:noFill/>
               </a:ln>
@@ -7413,6 +7998,58 @@
           </a:p>
         </p:txBody>
       </p:sp>
+      <p:pic>
+        <p:nvPicPr>
+          <p:cNvPr id="13313" name="Picture 1" descr="C:\Users\M5810video\Pictures\Picasa\Exports\2017-01-08\1-P1020604.JPG"/>
+          <p:cNvPicPr>
+            <a:picLocks noChangeAspect="1" noChangeArrowheads="1"/>
+          </p:cNvPicPr>
+          <p:nvPr/>
+        </p:nvPicPr>
+        <p:blipFill>
+          <a:blip r:embed="rId3" cstate="print"/>
+          <a:srcRect l="20422" t="17814" r="7173" b="15344"/>
+          <a:stretch>
+            <a:fillRect/>
+          </a:stretch>
+        </p:blipFill>
+        <p:spPr bwMode="auto">
+          <a:xfrm>
+            <a:off x="3275856" y="1203598"/>
+            <a:ext cx="2232248" cy="2747381"/>
+          </a:xfrm>
+          <a:prstGeom prst="rect">
+            <a:avLst/>
+          </a:prstGeom>
+          <a:noFill/>
+        </p:spPr>
+      </p:pic>
+      <p:pic>
+        <p:nvPicPr>
+          <p:cNvPr id="13314" name="Picture 2" descr="C:\Users\M5810video\Pictures\Picasa\Exports\2017-01-08\1-P1020606.JPG"/>
+          <p:cNvPicPr>
+            <a:picLocks noChangeAspect="1" noChangeArrowheads="1"/>
+          </p:cNvPicPr>
+          <p:nvPr/>
+        </p:nvPicPr>
+        <p:blipFill>
+          <a:blip r:embed="rId4" cstate="print"/>
+          <a:srcRect l="8724" t="5557" r="13770" b="14161"/>
+          <a:stretch>
+            <a:fillRect/>
+          </a:stretch>
+        </p:blipFill>
+        <p:spPr bwMode="auto">
+          <a:xfrm>
+            <a:off x="6156177" y="1203598"/>
+            <a:ext cx="1944216" cy="2684870"/>
+          </a:xfrm>
+          <a:prstGeom prst="rect">
+            <a:avLst/>
+          </a:prstGeom>
+          <a:noFill/>
+        </p:spPr>
+      </p:pic>
     </p:spTree>
   </p:cSld>
   <p:clrMapOvr>
